--- a/ANDERE/Powerpoint.pptx
+++ b/ANDERE/Powerpoint.pptx
@@ -130,6 +130,7 @@
 <file path=ppt/revisionInfo.xml><?xml version="1.0" encoding="utf-8"?>
 <p1510:revInfo xmlns:a="http://schemas.openxmlformats.org/drawingml/2006/main" xmlns:r="http://schemas.openxmlformats.org/officeDocument/2006/relationships" xmlns:p1510="http://schemas.microsoft.com/office/powerpoint/2015/10/main">
   <p1510:revLst>
+    <p1510:client id="{81BFEB14-5DDF-4BD2-9B1C-3F6A07145B5E}" v="1" dt="2022-10-21T10:51:15.599"/>
     <p1510:client id="{D39CC70A-5E98-46CD-A1B1-F1114FB80192}" v="83" dt="2022-10-21T06:31:15.625"/>
   </p1510:revLst>
 </p1510:revInfo>
@@ -1570,19 +1571,246 @@
       </pc:sldMasterChg>
     </pc:docChg>
   </pc:docChgLst>
+  <pc:docChgLst>
+    <pc:chgData name="Kos Maximilian Alvar" userId="6f1116b6-d333-4fd8-9c9b-349d1cc23c0a" providerId="ADAL" clId="{81BFEB14-5DDF-4BD2-9B1C-3F6A07145B5E}"/>
+    <pc:docChg chg="undo custSel modSld">
+      <pc:chgData name="Kos Maximilian Alvar" userId="6f1116b6-d333-4fd8-9c9b-349d1cc23c0a" providerId="ADAL" clId="{81BFEB14-5DDF-4BD2-9B1C-3F6A07145B5E}" dt="2022-10-21T10:51:49.850" v="24" actId="26606"/>
+      <pc:docMkLst>
+        <pc:docMk/>
+      </pc:docMkLst>
+      <pc:sldChg chg="addSp delSp modSp mod setBg">
+        <pc:chgData name="Kos Maximilian Alvar" userId="6f1116b6-d333-4fd8-9c9b-349d1cc23c0a" providerId="ADAL" clId="{81BFEB14-5DDF-4BD2-9B1C-3F6A07145B5E}" dt="2022-10-21T10:51:49.850" v="24" actId="26606"/>
+        <pc:sldMkLst>
+          <pc:docMk/>
+          <pc:sldMk cId="402999749" sldId="260"/>
+        </pc:sldMkLst>
+        <pc:spChg chg="add del mod ord">
+          <ac:chgData name="Kos Maximilian Alvar" userId="6f1116b6-d333-4fd8-9c9b-349d1cc23c0a" providerId="ADAL" clId="{81BFEB14-5DDF-4BD2-9B1C-3F6A07145B5E}" dt="2022-10-21T10:51:44.849" v="23" actId="478"/>
+          <ac:spMkLst>
+            <pc:docMk/>
+            <pc:sldMk cId="402999749" sldId="260"/>
+            <ac:spMk id="2" creationId="{670D1096-3D63-DF58-85A0-6B373152617C}"/>
+          </ac:spMkLst>
+        </pc:spChg>
+        <pc:spChg chg="add del">
+          <ac:chgData name="Kos Maximilian Alvar" userId="6f1116b6-d333-4fd8-9c9b-349d1cc23c0a" providerId="ADAL" clId="{81BFEB14-5DDF-4BD2-9B1C-3F6A07145B5E}" dt="2022-10-21T10:50:39.681" v="7" actId="26606"/>
+          <ac:spMkLst>
+            <pc:docMk/>
+            <pc:sldMk cId="402999749" sldId="260"/>
+            <ac:spMk id="9" creationId="{21ED5FCA-9564-42B4-9F52-2CCED8ED60CA}"/>
+          </ac:spMkLst>
+        </pc:spChg>
+        <pc:spChg chg="add del">
+          <ac:chgData name="Kos Maximilian Alvar" userId="6f1116b6-d333-4fd8-9c9b-349d1cc23c0a" providerId="ADAL" clId="{81BFEB14-5DDF-4BD2-9B1C-3F6A07145B5E}" dt="2022-10-21T10:50:39.681" v="7" actId="26606"/>
+          <ac:spMkLst>
+            <pc:docMk/>
+            <pc:sldMk cId="402999749" sldId="260"/>
+            <ac:spMk id="11" creationId="{081E4A58-353D-44AE-B2FC-2A74E2E400F7}"/>
+          </ac:spMkLst>
+        </pc:spChg>
+        <pc:spChg chg="add del">
+          <ac:chgData name="Kos Maximilian Alvar" userId="6f1116b6-d333-4fd8-9c9b-349d1cc23c0a" providerId="ADAL" clId="{81BFEB14-5DDF-4BD2-9B1C-3F6A07145B5E}" dt="2022-10-21T10:50:47.008" v="9" actId="26606"/>
+          <ac:spMkLst>
+            <pc:docMk/>
+            <pc:sldMk cId="402999749" sldId="260"/>
+            <ac:spMk id="13" creationId="{086A5A31-B10A-4793-84D4-D785959AE5B8}"/>
+          </ac:spMkLst>
+        </pc:spChg>
+        <pc:spChg chg="add del">
+          <ac:chgData name="Kos Maximilian Alvar" userId="6f1116b6-d333-4fd8-9c9b-349d1cc23c0a" providerId="ADAL" clId="{81BFEB14-5DDF-4BD2-9B1C-3F6A07145B5E}" dt="2022-10-21T10:50:47.008" v="9" actId="26606"/>
+          <ac:spMkLst>
+            <pc:docMk/>
+            <pc:sldMk cId="402999749" sldId="260"/>
+            <ac:spMk id="14" creationId="{9D25F302-27C5-414F-97F8-6EA0A6C028BA}"/>
+          </ac:spMkLst>
+        </pc:spChg>
+        <pc:spChg chg="add del">
+          <ac:chgData name="Kos Maximilian Alvar" userId="6f1116b6-d333-4fd8-9c9b-349d1cc23c0a" providerId="ADAL" clId="{81BFEB14-5DDF-4BD2-9B1C-3F6A07145B5E}" dt="2022-10-21T10:50:47.008" v="9" actId="26606"/>
+          <ac:spMkLst>
+            <pc:docMk/>
+            <pc:sldMk cId="402999749" sldId="260"/>
+            <ac:spMk id="15" creationId="{830A36F8-48C2-4842-A87B-8CE8DF4E7FD2}"/>
+          </ac:spMkLst>
+        </pc:spChg>
+        <pc:spChg chg="add del">
+          <ac:chgData name="Kos Maximilian Alvar" userId="6f1116b6-d333-4fd8-9c9b-349d1cc23c0a" providerId="ADAL" clId="{81BFEB14-5DDF-4BD2-9B1C-3F6A07145B5E}" dt="2022-10-21T10:50:52.344" v="11" actId="26606"/>
+          <ac:spMkLst>
+            <pc:docMk/>
+            <pc:sldMk cId="402999749" sldId="260"/>
+            <ac:spMk id="17" creationId="{CC552A98-EF7D-4D42-AB69-066B786AB55B}"/>
+          </ac:spMkLst>
+        </pc:spChg>
+        <pc:spChg chg="add del">
+          <ac:chgData name="Kos Maximilian Alvar" userId="6f1116b6-d333-4fd8-9c9b-349d1cc23c0a" providerId="ADAL" clId="{81BFEB14-5DDF-4BD2-9B1C-3F6A07145B5E}" dt="2022-10-21T10:50:52.344" v="11" actId="26606"/>
+          <ac:spMkLst>
+            <pc:docMk/>
+            <pc:sldMk cId="402999749" sldId="260"/>
+            <ac:spMk id="18" creationId="{D4C74C1C-EF2E-40CF-A712-656E694E6724}"/>
+          </ac:spMkLst>
+        </pc:spChg>
+        <pc:spChg chg="add del">
+          <ac:chgData name="Kos Maximilian Alvar" userId="6f1116b6-d333-4fd8-9c9b-349d1cc23c0a" providerId="ADAL" clId="{81BFEB14-5DDF-4BD2-9B1C-3F6A07145B5E}" dt="2022-10-21T10:50:52.344" v="11" actId="26606"/>
+          <ac:spMkLst>
+            <pc:docMk/>
+            <pc:sldMk cId="402999749" sldId="260"/>
+            <ac:spMk id="19" creationId="{90464369-70FA-42AF-948F-80664CA7BFE5}"/>
+          </ac:spMkLst>
+        </pc:spChg>
+        <pc:spChg chg="add del">
+          <ac:chgData name="Kos Maximilian Alvar" userId="6f1116b6-d333-4fd8-9c9b-349d1cc23c0a" providerId="ADAL" clId="{81BFEB14-5DDF-4BD2-9B1C-3F6A07145B5E}" dt="2022-10-21T10:50:52.344" v="11" actId="26606"/>
+          <ac:spMkLst>
+            <pc:docMk/>
+            <pc:sldMk cId="402999749" sldId="260"/>
+            <ac:spMk id="20" creationId="{A648176E-454C-437C-B0FC-9B82FCF32B24}"/>
+          </ac:spMkLst>
+        </pc:spChg>
+        <pc:spChg chg="add del">
+          <ac:chgData name="Kos Maximilian Alvar" userId="6f1116b6-d333-4fd8-9c9b-349d1cc23c0a" providerId="ADAL" clId="{81BFEB14-5DDF-4BD2-9B1C-3F6A07145B5E}" dt="2022-10-21T10:50:52.344" v="11" actId="26606"/>
+          <ac:spMkLst>
+            <pc:docMk/>
+            <pc:sldMk cId="402999749" sldId="260"/>
+            <ac:spMk id="21" creationId="{A6604B49-AD5C-4590-B051-06C8222ECD99}"/>
+          </ac:spMkLst>
+        </pc:spChg>
+        <pc:spChg chg="add del">
+          <ac:chgData name="Kos Maximilian Alvar" userId="6f1116b6-d333-4fd8-9c9b-349d1cc23c0a" providerId="ADAL" clId="{81BFEB14-5DDF-4BD2-9B1C-3F6A07145B5E}" dt="2022-10-21T10:51:49.850" v="24" actId="26606"/>
+          <ac:spMkLst>
+            <pc:docMk/>
+            <pc:sldMk cId="402999749" sldId="260"/>
+            <ac:spMk id="23" creationId="{9D25F302-27C5-414F-97F8-6EA0A6C028BA}"/>
+          </ac:spMkLst>
+        </pc:spChg>
+        <pc:spChg chg="add del">
+          <ac:chgData name="Kos Maximilian Alvar" userId="6f1116b6-d333-4fd8-9c9b-349d1cc23c0a" providerId="ADAL" clId="{81BFEB14-5DDF-4BD2-9B1C-3F6A07145B5E}" dt="2022-10-21T10:51:49.850" v="24" actId="26606"/>
+          <ac:spMkLst>
+            <pc:docMk/>
+            <pc:sldMk cId="402999749" sldId="260"/>
+            <ac:spMk id="24" creationId="{830A36F8-48C2-4842-A87B-8CE8DF4E7FD2}"/>
+          </ac:spMkLst>
+        </pc:spChg>
+        <pc:spChg chg="add del">
+          <ac:chgData name="Kos Maximilian Alvar" userId="6f1116b6-d333-4fd8-9c9b-349d1cc23c0a" providerId="ADAL" clId="{81BFEB14-5DDF-4BD2-9B1C-3F6A07145B5E}" dt="2022-10-21T10:51:49.850" v="24" actId="26606"/>
+          <ac:spMkLst>
+            <pc:docMk/>
+            <pc:sldMk cId="402999749" sldId="260"/>
+            <ac:spMk id="25" creationId="{086A5A31-B10A-4793-84D4-D785959AE5B8}"/>
+          </ac:spMkLst>
+        </pc:spChg>
+        <pc:spChg chg="add">
+          <ac:chgData name="Kos Maximilian Alvar" userId="6f1116b6-d333-4fd8-9c9b-349d1cc23c0a" providerId="ADAL" clId="{81BFEB14-5DDF-4BD2-9B1C-3F6A07145B5E}" dt="2022-10-21T10:51:49.850" v="24" actId="26606"/>
+          <ac:spMkLst>
+            <pc:docMk/>
+            <pc:sldMk cId="402999749" sldId="260"/>
+            <ac:spMk id="30" creationId="{22F15A2D-2324-487D-A02A-BF46C5C580EB}"/>
+          </ac:spMkLst>
+        </pc:spChg>
+        <pc:spChg chg="add">
+          <ac:chgData name="Kos Maximilian Alvar" userId="6f1116b6-d333-4fd8-9c9b-349d1cc23c0a" providerId="ADAL" clId="{81BFEB14-5DDF-4BD2-9B1C-3F6A07145B5E}" dt="2022-10-21T10:51:49.850" v="24" actId="26606"/>
+          <ac:spMkLst>
+            <pc:docMk/>
+            <pc:sldMk cId="402999749" sldId="260"/>
+            <ac:spMk id="32" creationId="{17A7F34E-D418-47E2-9F86-2C45BBC31210}"/>
+          </ac:spMkLst>
+        </pc:spChg>
+        <pc:spChg chg="add">
+          <ac:chgData name="Kos Maximilian Alvar" userId="6f1116b6-d333-4fd8-9c9b-349d1cc23c0a" providerId="ADAL" clId="{81BFEB14-5DDF-4BD2-9B1C-3F6A07145B5E}" dt="2022-10-21T10:51:49.850" v="24" actId="26606"/>
+          <ac:spMkLst>
+            <pc:docMk/>
+            <pc:sldMk cId="402999749" sldId="260"/>
+            <ac:spMk id="34" creationId="{2AEAFA59-923A-4F54-8B49-44C970BCC323}"/>
+          </ac:spMkLst>
+        </pc:spChg>
+        <pc:graphicFrameChg chg="mod modGraphic">
+          <ac:chgData name="Kos Maximilian Alvar" userId="6f1116b6-d333-4fd8-9c9b-349d1cc23c0a" providerId="ADAL" clId="{81BFEB14-5DDF-4BD2-9B1C-3F6A07145B5E}" dt="2022-10-21T10:51:15.598" v="17" actId="170"/>
+          <ac:graphicFrameMkLst>
+            <pc:docMk/>
+            <pc:sldMk cId="402999749" sldId="260"/>
+            <ac:graphicFrameMk id="4" creationId="{0D7CE29C-6330-D0F8-9443-1CA803C33338}"/>
+          </ac:graphicFrameMkLst>
+        </pc:graphicFrameChg>
+      </pc:sldChg>
+      <pc:sldChg chg="addSp modSp mod setBg">
+        <pc:chgData name="Kos Maximilian Alvar" userId="6f1116b6-d333-4fd8-9c9b-349d1cc23c0a" providerId="ADAL" clId="{81BFEB14-5DDF-4BD2-9B1C-3F6A07145B5E}" dt="2022-10-21T10:49:57.323" v="5" actId="14100"/>
+        <pc:sldMkLst>
+          <pc:docMk/>
+          <pc:sldMk cId="2960813924" sldId="261"/>
+        </pc:sldMkLst>
+        <pc:spChg chg="mod">
+          <ac:chgData name="Kos Maximilian Alvar" userId="6f1116b6-d333-4fd8-9c9b-349d1cc23c0a" providerId="ADAL" clId="{81BFEB14-5DDF-4BD2-9B1C-3F6A07145B5E}" dt="2022-10-21T10:49:44.515" v="0" actId="26606"/>
+          <ac:spMkLst>
+            <pc:docMk/>
+            <pc:sldMk cId="2960813924" sldId="261"/>
+            <ac:spMk id="2" creationId="{3466AB0E-79D6-7788-2004-CC79CB35BE1C}"/>
+          </ac:spMkLst>
+        </pc:spChg>
+        <pc:spChg chg="mod ord">
+          <ac:chgData name="Kos Maximilian Alvar" userId="6f1116b6-d333-4fd8-9c9b-349d1cc23c0a" providerId="ADAL" clId="{81BFEB14-5DDF-4BD2-9B1C-3F6A07145B5E}" dt="2022-10-21T10:49:53.607" v="3" actId="1076"/>
+          <ac:spMkLst>
+            <pc:docMk/>
+            <pc:sldMk cId="2960813924" sldId="261"/>
+            <ac:spMk id="3" creationId="{FF2CE31E-1EE5-F789-30A1-3D24180242F7}"/>
+          </ac:spMkLst>
+        </pc:spChg>
+        <pc:spChg chg="add">
+          <ac:chgData name="Kos Maximilian Alvar" userId="6f1116b6-d333-4fd8-9c9b-349d1cc23c0a" providerId="ADAL" clId="{81BFEB14-5DDF-4BD2-9B1C-3F6A07145B5E}" dt="2022-10-21T10:49:44.515" v="0" actId="26606"/>
+          <ac:spMkLst>
+            <pc:docMk/>
+            <pc:sldMk cId="2960813924" sldId="261"/>
+            <ac:spMk id="10" creationId="{9D25F302-27C5-414F-97F8-6EA0A6C028BA}"/>
+          </ac:spMkLst>
+        </pc:spChg>
+        <pc:spChg chg="add">
+          <ac:chgData name="Kos Maximilian Alvar" userId="6f1116b6-d333-4fd8-9c9b-349d1cc23c0a" providerId="ADAL" clId="{81BFEB14-5DDF-4BD2-9B1C-3F6A07145B5E}" dt="2022-10-21T10:49:44.515" v="0" actId="26606"/>
+          <ac:spMkLst>
+            <pc:docMk/>
+            <pc:sldMk cId="2960813924" sldId="261"/>
+            <ac:spMk id="12" creationId="{830A36F8-48C2-4842-A87B-8CE8DF4E7FD2}"/>
+          </ac:spMkLst>
+        </pc:spChg>
+        <pc:spChg chg="add">
+          <ac:chgData name="Kos Maximilian Alvar" userId="6f1116b6-d333-4fd8-9c9b-349d1cc23c0a" providerId="ADAL" clId="{81BFEB14-5DDF-4BD2-9B1C-3F6A07145B5E}" dt="2022-10-21T10:49:44.515" v="0" actId="26606"/>
+          <ac:spMkLst>
+            <pc:docMk/>
+            <pc:sldMk cId="2960813924" sldId="261"/>
+            <ac:spMk id="14" creationId="{8F451A30-466B-4996-9BA5-CD6ABCC6D558}"/>
+          </ac:spMkLst>
+        </pc:spChg>
+        <pc:picChg chg="mod">
+          <ac:chgData name="Kos Maximilian Alvar" userId="6f1116b6-d333-4fd8-9c9b-349d1cc23c0a" providerId="ADAL" clId="{81BFEB14-5DDF-4BD2-9B1C-3F6A07145B5E}" dt="2022-10-21T10:49:57.323" v="5" actId="14100"/>
+          <ac:picMkLst>
+            <pc:docMk/>
+            <pc:sldMk cId="2960813924" sldId="261"/>
+            <ac:picMk id="5" creationId="{FEBACA95-25FC-4A75-C558-C7C0F19BB370}"/>
+          </ac:picMkLst>
+        </pc:picChg>
+      </pc:sldChg>
+    </pc:docChg>
+  </pc:docChgLst>
 </pc:chgInfo>
 </file>
 
 <file path=ppt/diagrams/colors1.xml><?xml version="1.0" encoding="utf-8"?>
-<dgm:colorsDef xmlns:dgm="http://schemas.openxmlformats.org/drawingml/2006/diagram" xmlns:a="http://schemas.openxmlformats.org/drawingml/2006/main" uniqueId="urn:microsoft.com/office/officeart/2005/8/colors/accent1_2">
+<dgm:colorsDef xmlns:dgm="http://schemas.openxmlformats.org/drawingml/2006/diagram" xmlns:a="http://schemas.openxmlformats.org/drawingml/2006/main" uniqueId="urn:microsoft.com/office/officeart/2005/8/colors/accent3_2">
   <dgm:title val=""/>
   <dgm:desc val=""/>
   <dgm:catLst>
-    <dgm:cat type="accent1" pri="11200"/>
+    <dgm:cat type="accent3" pri="11200"/>
   </dgm:catLst>
   <dgm:styleLbl name="node0">
     <dgm:fillClrLst meth="repeat">
-      <a:schemeClr val="accent1"/>
+      <a:schemeClr val="accent3"/>
+    </dgm:fillClrLst>
+    <dgm:linClrLst meth="repeat">
+      <a:schemeClr val="lt1"/>
+    </dgm:linClrLst>
+    <dgm:effectClrLst/>
+    <dgm:txLinClrLst/>
+    <dgm:txFillClrLst/>
+    <dgm:txEffectClrLst/>
+  </dgm:styleLbl>
+  <dgm:styleLbl name="node1">
+    <dgm:fillClrLst meth="repeat">
+      <a:schemeClr val="accent3"/>
     </dgm:fillClrLst>
     <dgm:linClrLst meth="repeat">
       <a:schemeClr val="lt1"/>
@@ -1594,22 +1822,10 @@
   </dgm:styleLbl>
   <dgm:styleLbl name="alignNode1">
     <dgm:fillClrLst meth="repeat">
-      <a:schemeClr val="accent1"/>
+      <a:schemeClr val="accent3"/>
     </dgm:fillClrLst>
     <dgm:linClrLst meth="repeat">
-      <a:schemeClr val="accent1"/>
-    </dgm:linClrLst>
-    <dgm:effectClrLst/>
-    <dgm:txLinClrLst/>
-    <dgm:txFillClrLst/>
-    <dgm:txEffectClrLst/>
-  </dgm:styleLbl>
-  <dgm:styleLbl name="node1">
-    <dgm:fillClrLst meth="repeat">
-      <a:schemeClr val="accent1"/>
-    </dgm:fillClrLst>
-    <dgm:linClrLst meth="repeat">
-      <a:schemeClr val="lt1"/>
+      <a:schemeClr val="accent3"/>
     </dgm:linClrLst>
     <dgm:effectClrLst/>
     <dgm:txLinClrLst/>
@@ -1618,7 +1834,7 @@
   </dgm:styleLbl>
   <dgm:styleLbl name="lnNode1">
     <dgm:fillClrLst meth="repeat">
-      <a:schemeClr val="accent1"/>
+      <a:schemeClr val="accent3"/>
     </dgm:fillClrLst>
     <dgm:linClrLst meth="repeat">
       <a:schemeClr val="lt1"/>
@@ -1630,7 +1846,7 @@
   </dgm:styleLbl>
   <dgm:styleLbl name="vennNode1">
     <dgm:fillClrLst meth="repeat">
-      <a:schemeClr val="accent1">
+      <a:schemeClr val="accent3">
         <a:alpha val="50000"/>
       </a:schemeClr>
     </dgm:fillClrLst>
@@ -1644,7 +1860,7 @@
   </dgm:styleLbl>
   <dgm:styleLbl name="node2">
     <dgm:fillClrLst meth="repeat">
-      <a:schemeClr val="accent1"/>
+      <a:schemeClr val="accent3"/>
     </dgm:fillClrLst>
     <dgm:linClrLst meth="repeat">
       <a:schemeClr val="lt1"/>
@@ -1656,7 +1872,7 @@
   </dgm:styleLbl>
   <dgm:styleLbl name="node3">
     <dgm:fillClrLst meth="repeat">
-      <a:schemeClr val="accent1"/>
+      <a:schemeClr val="accent3"/>
     </dgm:fillClrLst>
     <dgm:linClrLst meth="repeat">
       <a:schemeClr val="lt1"/>
@@ -1668,7 +1884,7 @@
   </dgm:styleLbl>
   <dgm:styleLbl name="node4">
     <dgm:fillClrLst meth="repeat">
-      <a:schemeClr val="accent1"/>
+      <a:schemeClr val="accent3"/>
     </dgm:fillClrLst>
     <dgm:linClrLst meth="repeat">
       <a:schemeClr val="lt1"/>
@@ -1680,7 +1896,7 @@
   </dgm:styleLbl>
   <dgm:styleLbl name="fgImgPlace1">
     <dgm:fillClrLst meth="repeat">
-      <a:schemeClr val="accent1">
+      <a:schemeClr val="accent3">
         <a:tint val="50000"/>
       </a:schemeClr>
     </dgm:fillClrLst>
@@ -1696,7 +1912,7 @@
   </dgm:styleLbl>
   <dgm:styleLbl name="alignImgPlace1">
     <dgm:fillClrLst meth="repeat">
-      <a:schemeClr val="accent1">
+      <a:schemeClr val="accent3">
         <a:tint val="50000"/>
       </a:schemeClr>
     </dgm:fillClrLst>
@@ -1712,7 +1928,7 @@
   </dgm:styleLbl>
   <dgm:styleLbl name="bgImgPlace1">
     <dgm:fillClrLst meth="repeat">
-      <a:schemeClr val="accent1">
+      <a:schemeClr val="accent3">
         <a:tint val="50000"/>
       </a:schemeClr>
     </dgm:fillClrLst>
@@ -1728,12 +1944,12 @@
   </dgm:styleLbl>
   <dgm:styleLbl name="sibTrans2D1">
     <dgm:fillClrLst meth="repeat">
-      <a:schemeClr val="accent1">
+      <a:schemeClr val="accent3">
         <a:tint val="60000"/>
       </a:schemeClr>
     </dgm:fillClrLst>
     <dgm:linClrLst meth="repeat">
-      <a:schemeClr val="accent1">
+      <a:schemeClr val="accent3">
         <a:tint val="60000"/>
       </a:schemeClr>
     </dgm:linClrLst>
@@ -1744,12 +1960,12 @@
   </dgm:styleLbl>
   <dgm:styleLbl name="fgSibTrans2D1">
     <dgm:fillClrLst meth="repeat">
-      <a:schemeClr val="accent1">
+      <a:schemeClr val="accent3">
         <a:tint val="60000"/>
       </a:schemeClr>
     </dgm:fillClrLst>
     <dgm:linClrLst meth="repeat">
-      <a:schemeClr val="accent1">
+      <a:schemeClr val="accent3">
         <a:tint val="60000"/>
       </a:schemeClr>
     </dgm:linClrLst>
@@ -1760,12 +1976,12 @@
   </dgm:styleLbl>
   <dgm:styleLbl name="bgSibTrans2D1">
     <dgm:fillClrLst meth="repeat">
-      <a:schemeClr val="accent1">
+      <a:schemeClr val="accent3">
         <a:tint val="60000"/>
       </a:schemeClr>
     </dgm:fillClrLst>
     <dgm:linClrLst meth="repeat">
-      <a:schemeClr val="accent1">
+      <a:schemeClr val="accent3">
         <a:tint val="60000"/>
       </a:schemeClr>
     </dgm:linClrLst>
@@ -1776,10 +1992,10 @@
   </dgm:styleLbl>
   <dgm:styleLbl name="sibTrans1D1">
     <dgm:fillClrLst meth="repeat">
-      <a:schemeClr val="accent1"/>
+      <a:schemeClr val="accent3"/>
     </dgm:fillClrLst>
     <dgm:linClrLst meth="repeat">
-      <a:schemeClr val="accent1"/>
+      <a:schemeClr val="accent3"/>
     </dgm:linClrLst>
     <dgm:effectClrLst/>
     <dgm:txLinClrLst/>
@@ -1790,10 +2006,10 @@
   </dgm:styleLbl>
   <dgm:styleLbl name="callout">
     <dgm:fillClrLst meth="repeat">
-      <a:schemeClr val="accent1"/>
+      <a:schemeClr val="accent3"/>
     </dgm:fillClrLst>
     <dgm:linClrLst meth="repeat">
-      <a:schemeClr val="accent1">
+      <a:schemeClr val="accent3">
         <a:tint val="50000"/>
       </a:schemeClr>
     </dgm:linClrLst>
@@ -1806,7 +2022,7 @@
   </dgm:styleLbl>
   <dgm:styleLbl name="asst0">
     <dgm:fillClrLst meth="repeat">
-      <a:schemeClr val="accent1"/>
+      <a:schemeClr val="accent3"/>
     </dgm:fillClrLst>
     <dgm:linClrLst meth="repeat">
       <a:schemeClr val="lt1"/>
@@ -1818,7 +2034,7 @@
   </dgm:styleLbl>
   <dgm:styleLbl name="asst1">
     <dgm:fillClrLst meth="repeat">
-      <a:schemeClr val="accent1"/>
+      <a:schemeClr val="accent3"/>
     </dgm:fillClrLst>
     <dgm:linClrLst meth="repeat">
       <a:schemeClr val="lt1"/>
@@ -1830,7 +2046,7 @@
   </dgm:styleLbl>
   <dgm:styleLbl name="asst2">
     <dgm:fillClrLst meth="repeat">
-      <a:schemeClr val="accent1"/>
+      <a:schemeClr val="accent3"/>
     </dgm:fillClrLst>
     <dgm:linClrLst meth="repeat">
       <a:schemeClr val="lt1"/>
@@ -1842,7 +2058,7 @@
   </dgm:styleLbl>
   <dgm:styleLbl name="asst3">
     <dgm:fillClrLst meth="repeat">
-      <a:schemeClr val="accent1"/>
+      <a:schemeClr val="accent3"/>
     </dgm:fillClrLst>
     <dgm:linClrLst meth="repeat">
       <a:schemeClr val="lt1"/>
@@ -1854,7 +2070,7 @@
   </dgm:styleLbl>
   <dgm:styleLbl name="asst4">
     <dgm:fillClrLst meth="repeat">
-      <a:schemeClr val="accent1"/>
+      <a:schemeClr val="accent3"/>
     </dgm:fillClrLst>
     <dgm:linClrLst meth="repeat">
       <a:schemeClr val="lt1"/>
@@ -1866,12 +2082,12 @@
   </dgm:styleLbl>
   <dgm:styleLbl name="parChTrans2D1">
     <dgm:fillClrLst meth="repeat">
-      <a:schemeClr val="accent1">
+      <a:schemeClr val="accent3">
         <a:tint val="60000"/>
       </a:schemeClr>
     </dgm:fillClrLst>
     <dgm:linClrLst meth="repeat">
-      <a:schemeClr val="accent1">
+      <a:schemeClr val="accent3">
         <a:tint val="60000"/>
       </a:schemeClr>
     </dgm:linClrLst>
@@ -1884,10 +2100,10 @@
   </dgm:styleLbl>
   <dgm:styleLbl name="parChTrans2D2">
     <dgm:fillClrLst meth="repeat">
-      <a:schemeClr val="accent1"/>
+      <a:schemeClr val="accent3"/>
     </dgm:fillClrLst>
     <dgm:linClrLst meth="repeat">
-      <a:schemeClr val="accent1"/>
+      <a:schemeClr val="accent3"/>
     </dgm:linClrLst>
     <dgm:effectClrLst/>
     <dgm:txLinClrLst/>
@@ -1898,10 +2114,10 @@
   </dgm:styleLbl>
   <dgm:styleLbl name="parChTrans2D3">
     <dgm:fillClrLst meth="repeat">
-      <a:schemeClr val="accent1"/>
+      <a:schemeClr val="accent3"/>
     </dgm:fillClrLst>
     <dgm:linClrLst meth="repeat">
-      <a:schemeClr val="accent1"/>
+      <a:schemeClr val="accent3"/>
     </dgm:linClrLst>
     <dgm:effectClrLst/>
     <dgm:txLinClrLst/>
@@ -1912,10 +2128,10 @@
   </dgm:styleLbl>
   <dgm:styleLbl name="parChTrans2D4">
     <dgm:fillClrLst meth="repeat">
-      <a:schemeClr val="accent1"/>
+      <a:schemeClr val="accent3"/>
     </dgm:fillClrLst>
     <dgm:linClrLst meth="repeat">
-      <a:schemeClr val="accent1"/>
+      <a:schemeClr val="accent3"/>
     </dgm:linClrLst>
     <dgm:effectClrLst/>
     <dgm:txLinClrLst/>
@@ -1926,10 +2142,10 @@
   </dgm:styleLbl>
   <dgm:styleLbl name="parChTrans1D1">
     <dgm:fillClrLst meth="repeat">
-      <a:schemeClr val="accent1"/>
+      <a:schemeClr val="accent3"/>
     </dgm:fillClrLst>
     <dgm:linClrLst meth="repeat">
-      <a:schemeClr val="accent1">
+      <a:schemeClr val="accent3">
         <a:shade val="60000"/>
       </a:schemeClr>
     </dgm:linClrLst>
@@ -1942,10 +2158,10 @@
   </dgm:styleLbl>
   <dgm:styleLbl name="parChTrans1D2">
     <dgm:fillClrLst meth="repeat">
-      <a:schemeClr val="accent1"/>
+      <a:schemeClr val="accent3"/>
     </dgm:fillClrLst>
     <dgm:linClrLst meth="repeat">
-      <a:schemeClr val="accent1">
+      <a:schemeClr val="accent3">
         <a:shade val="60000"/>
       </a:schemeClr>
     </dgm:linClrLst>
@@ -1958,10 +2174,10 @@
   </dgm:styleLbl>
   <dgm:styleLbl name="parChTrans1D3">
     <dgm:fillClrLst meth="repeat">
-      <a:schemeClr val="accent1"/>
+      <a:schemeClr val="accent3"/>
     </dgm:fillClrLst>
     <dgm:linClrLst meth="repeat">
-      <a:schemeClr val="accent1">
+      <a:schemeClr val="accent3">
         <a:shade val="80000"/>
       </a:schemeClr>
     </dgm:linClrLst>
@@ -1974,10 +2190,10 @@
   </dgm:styleLbl>
   <dgm:styleLbl name="parChTrans1D4">
     <dgm:fillClrLst meth="repeat">
-      <a:schemeClr val="accent1"/>
+      <a:schemeClr val="accent3"/>
     </dgm:fillClrLst>
     <dgm:linClrLst meth="repeat">
-      <a:schemeClr val="accent1">
+      <a:schemeClr val="accent3">
         <a:shade val="80000"/>
       </a:schemeClr>
     </dgm:linClrLst>
@@ -1995,7 +2211,7 @@
       </a:schemeClr>
     </dgm:fillClrLst>
     <dgm:linClrLst meth="repeat">
-      <a:schemeClr val="accent1"/>
+      <a:schemeClr val="accent3"/>
     </dgm:linClrLst>
     <dgm:effectClrLst/>
     <dgm:txLinClrLst/>
@@ -2011,7 +2227,7 @@
       </a:schemeClr>
     </dgm:fillClrLst>
     <dgm:linClrLst meth="repeat">
-      <a:schemeClr val="accent1"/>
+      <a:schemeClr val="accent3"/>
     </dgm:linClrLst>
     <dgm:effectClrLst/>
     <dgm:txLinClrLst/>
@@ -2027,7 +2243,7 @@
       </a:schemeClr>
     </dgm:fillClrLst>
     <dgm:linClrLst meth="repeat">
-      <a:schemeClr val="accent1"/>
+      <a:schemeClr val="accent3"/>
     </dgm:linClrLst>
     <dgm:effectClrLst/>
     <dgm:txLinClrLst/>
@@ -2043,7 +2259,7 @@
       </a:schemeClr>
     </dgm:fillClrLst>
     <dgm:linClrLst meth="repeat">
-      <a:schemeClr val="accent1"/>
+      <a:schemeClr val="accent3"/>
     </dgm:linClrLst>
     <dgm:effectClrLst/>
     <dgm:txLinClrLst/>
@@ -2059,7 +2275,7 @@
       </a:schemeClr>
     </dgm:fillClrLst>
     <dgm:linClrLst meth="repeat">
-      <a:schemeClr val="accent1"/>
+      <a:schemeClr val="accent3"/>
     </dgm:linClrLst>
     <dgm:effectClrLst/>
     <dgm:txLinClrLst/>
@@ -2073,7 +2289,7 @@
       <a:schemeClr val="lt1"/>
     </dgm:fillClrLst>
     <dgm:linClrLst meth="repeat">
-      <a:schemeClr val="accent1"/>
+      <a:schemeClr val="accent3"/>
     </dgm:linClrLst>
     <dgm:effectClrLst/>
     <dgm:txLinClrLst/>
@@ -2087,7 +2303,7 @@
       <a:schemeClr val="lt1"/>
     </dgm:fillClrLst>
     <dgm:linClrLst meth="repeat">
-      <a:schemeClr val="accent1"/>
+      <a:schemeClr val="accent3"/>
     </dgm:linClrLst>
     <dgm:effectClrLst/>
     <dgm:txLinClrLst/>
@@ -2101,7 +2317,7 @@
       <a:schemeClr val="lt1"/>
     </dgm:fillClrLst>
     <dgm:linClrLst meth="repeat">
-      <a:schemeClr val="accent1"/>
+      <a:schemeClr val="accent3"/>
     </dgm:linClrLst>
     <dgm:effectClrLst/>
     <dgm:txLinClrLst/>
@@ -2112,13 +2328,13 @@
   </dgm:styleLbl>
   <dgm:styleLbl name="fgAccFollowNode1">
     <dgm:fillClrLst meth="repeat">
-      <a:schemeClr val="accent1">
+      <a:schemeClr val="accent3">
         <a:alpha val="90000"/>
         <a:tint val="40000"/>
       </a:schemeClr>
     </dgm:fillClrLst>
     <dgm:linClrLst meth="repeat">
-      <a:schemeClr val="accent1">
+      <a:schemeClr val="accent3">
         <a:alpha val="90000"/>
         <a:tint val="40000"/>
       </a:schemeClr>
@@ -2132,13 +2348,13 @@
   </dgm:styleLbl>
   <dgm:styleLbl name="alignAccFollowNode1">
     <dgm:fillClrLst meth="repeat">
-      <a:schemeClr val="accent1">
+      <a:schemeClr val="accent3">
         <a:alpha val="90000"/>
         <a:tint val="40000"/>
       </a:schemeClr>
     </dgm:fillClrLst>
     <dgm:linClrLst meth="repeat">
-      <a:schemeClr val="accent1">
+      <a:schemeClr val="accent3">
         <a:alpha val="90000"/>
         <a:tint val="40000"/>
       </a:schemeClr>
@@ -2152,13 +2368,13 @@
   </dgm:styleLbl>
   <dgm:styleLbl name="bgAccFollowNode1">
     <dgm:fillClrLst meth="repeat">
-      <a:schemeClr val="accent1">
+      <a:schemeClr val="accent3">
         <a:alpha val="90000"/>
         <a:tint val="40000"/>
       </a:schemeClr>
     </dgm:fillClrLst>
     <dgm:linClrLst meth="repeat">
-      <a:schemeClr val="accent1">
+      <a:schemeClr val="accent3">
         <a:alpha val="90000"/>
         <a:tint val="40000"/>
       </a:schemeClr>
@@ -2177,7 +2393,7 @@
       </a:schemeClr>
     </dgm:fillClrLst>
     <dgm:linClrLst meth="repeat">
-      <a:schemeClr val="accent1"/>
+      <a:schemeClr val="accent3"/>
     </dgm:linClrLst>
     <dgm:effectClrLst/>
     <dgm:txLinClrLst/>
@@ -2193,7 +2409,7 @@
       </a:schemeClr>
     </dgm:fillClrLst>
     <dgm:linClrLst meth="repeat">
-      <a:schemeClr val="accent1"/>
+      <a:schemeClr val="accent3"/>
     </dgm:linClrLst>
     <dgm:effectClrLst/>
     <dgm:txLinClrLst/>
@@ -2209,7 +2425,7 @@
       </a:schemeClr>
     </dgm:fillClrLst>
     <dgm:linClrLst meth="repeat">
-      <a:schemeClr val="accent1"/>
+      <a:schemeClr val="accent3"/>
     </dgm:linClrLst>
     <dgm:effectClrLst/>
     <dgm:txLinClrLst/>
@@ -2225,7 +2441,7 @@
       </a:schemeClr>
     </dgm:fillClrLst>
     <dgm:linClrLst meth="repeat">
-      <a:schemeClr val="accent1"/>
+      <a:schemeClr val="accent3"/>
     </dgm:linClrLst>
     <dgm:effectClrLst/>
     <dgm:txLinClrLst/>
@@ -2236,12 +2452,12 @@
   </dgm:styleLbl>
   <dgm:styleLbl name="bgShp">
     <dgm:fillClrLst meth="repeat">
-      <a:schemeClr val="accent1">
+      <a:schemeClr val="accent3">
         <a:tint val="40000"/>
       </a:schemeClr>
     </dgm:fillClrLst>
     <dgm:linClrLst meth="repeat">
-      <a:schemeClr val="accent1"/>
+      <a:schemeClr val="accent3"/>
     </dgm:linClrLst>
     <dgm:effectClrLst/>
     <dgm:txLinClrLst/>
@@ -2252,12 +2468,12 @@
   </dgm:styleLbl>
   <dgm:styleLbl name="dkBgShp">
     <dgm:fillClrLst meth="repeat">
-      <a:schemeClr val="accent1">
+      <a:schemeClr val="accent3">
         <a:shade val="80000"/>
       </a:schemeClr>
     </dgm:fillClrLst>
     <dgm:linClrLst meth="repeat">
-      <a:schemeClr val="accent1"/>
+      <a:schemeClr val="accent3"/>
     </dgm:linClrLst>
     <dgm:effectClrLst/>
     <dgm:txLinClrLst/>
@@ -2268,13 +2484,13 @@
   </dgm:styleLbl>
   <dgm:styleLbl name="trBgShp">
     <dgm:fillClrLst meth="repeat">
-      <a:schemeClr val="accent1">
+      <a:schemeClr val="accent3">
         <a:tint val="50000"/>
         <a:alpha val="40000"/>
       </a:schemeClr>
     </dgm:fillClrLst>
     <dgm:linClrLst meth="repeat">
-      <a:schemeClr val="accent1"/>
+      <a:schemeClr val="accent3"/>
     </dgm:linClrLst>
     <dgm:effectClrLst/>
     <dgm:txLinClrLst/>
@@ -2285,7 +2501,7 @@
   </dgm:styleLbl>
   <dgm:styleLbl name="fgShp">
     <dgm:fillClrLst meth="repeat">
-      <a:schemeClr val="accent1">
+      <a:schemeClr val="accent3">
         <a:tint val="60000"/>
       </a:schemeClr>
     </dgm:fillClrLst>
@@ -2324,7 +2540,7 @@
 <dgm:dataModel xmlns:dgm="http://schemas.openxmlformats.org/drawingml/2006/diagram" xmlns:a="http://schemas.openxmlformats.org/drawingml/2006/main">
   <dgm:ptLst>
     <dgm:pt modelId="{A56D1D4E-6F15-4ABC-B5A8-673F20F860F4}" type="doc">
-      <dgm:prSet loTypeId="urn:microsoft.com/office/officeart/2005/8/layout/radial4" loCatId="relationship" qsTypeId="urn:microsoft.com/office/officeart/2005/8/quickstyle/simple1" qsCatId="simple" csTypeId="urn:microsoft.com/office/officeart/2005/8/colors/accent1_2" csCatId="accent1" phldr="1"/>
+      <dgm:prSet loTypeId="urn:microsoft.com/office/officeart/2005/8/layout/radial4" loCatId="relationship" qsTypeId="urn:microsoft.com/office/officeart/2005/8/quickstyle/simple5" qsCatId="simple" csTypeId="urn:microsoft.com/office/officeart/2005/8/colors/accent3_2" csCatId="accent3" phldr="1"/>
       <dgm:spPr/>
       <dgm:t>
         <a:bodyPr/>
@@ -2371,14 +2587,14 @@
       </dgm:t>
     </dgm:pt>
     <dgm:pt modelId="{702FD074-8D8C-468E-B6E3-B8D566811D09}">
-      <dgm:prSet phldrT="[Text]" custT="1"/>
+      <dgm:prSet phldrT="[Text]"/>
       <dgm:spPr/>
       <dgm:t>
         <a:bodyPr/>
         <a:lstStyle/>
         <a:p>
           <a:r>
-            <a:rPr lang="de-CH" sz="3600" dirty="0"/>
+            <a:rPr lang="de-CH"/>
             <a:t>Products</a:t>
           </a:r>
         </a:p>
@@ -2484,7 +2700,7 @@
         </a:p>
       </dgm:t>
     </dgm:pt>
-    <dgm:pt modelId="{757AEE49-2866-4803-866F-3EA84724238E}" type="pres">
+    <dgm:pt modelId="{A4F9186A-729D-47A7-8BD0-2C309E126371}" type="pres">
       <dgm:prSet presAssocID="{A56D1D4E-6F15-4ABC-B5A8-673F20F860F4}" presName="cycle" presStyleCnt="0">
         <dgm:presLayoutVars>
           <dgm:chMax val="1"/>
@@ -2495,40 +2711,40 @@
       </dgm:prSet>
       <dgm:spPr/>
     </dgm:pt>
-    <dgm:pt modelId="{6A686714-3920-4351-B51C-DD8AC23C7B37}" type="pres">
-      <dgm:prSet presAssocID="{33974082-D0C9-47CE-9B54-A88710BB0627}" presName="centerShape" presStyleLbl="node0" presStyleIdx="0" presStyleCnt="1" custLinFactNeighborX="0" custLinFactNeighborY="-52737"/>
+    <dgm:pt modelId="{00EC3DF2-456B-4815-A5A7-DF153302677D}" type="pres">
+      <dgm:prSet presAssocID="{33974082-D0C9-47CE-9B54-A88710BB0627}" presName="centerShape" presStyleLbl="node0" presStyleIdx="0" presStyleCnt="1"/>
       <dgm:spPr/>
     </dgm:pt>
-    <dgm:pt modelId="{DBE5BDAC-ED3C-4580-831A-B00CDF90B973}" type="pres">
-      <dgm:prSet presAssocID="{AAC73C44-7C2C-4818-80D5-C62A0758472A}" presName="parTrans" presStyleLbl="bgSibTrans2D1" presStyleIdx="0" presStyleCnt="3" custAng="10578527" custScaleX="37930" custLinFactNeighborX="35970" custLinFactNeighborY="-39720"/>
+    <dgm:pt modelId="{025FDAE2-197D-42D0-A6F9-B4D54C571444}" type="pres">
+      <dgm:prSet presAssocID="{AAC73C44-7C2C-4818-80D5-C62A0758472A}" presName="parTrans" presStyleLbl="bgSibTrans2D1" presStyleIdx="0" presStyleCnt="3"/>
       <dgm:spPr/>
     </dgm:pt>
-    <dgm:pt modelId="{808B697F-CB94-448E-BB5B-ADF6D1E4E477}" type="pres">
-      <dgm:prSet presAssocID="{702FD074-8D8C-468E-B6E3-B8D566811D09}" presName="node" presStyleLbl="node1" presStyleIdx="0" presStyleCnt="3" custRadScaleRad="121145" custRadScaleInc="-21396">
+    <dgm:pt modelId="{F7E786DD-1F64-4B71-8B9D-0C7465D8B1C4}" type="pres">
+      <dgm:prSet presAssocID="{702FD074-8D8C-468E-B6E3-B8D566811D09}" presName="node" presStyleLbl="node1" presStyleIdx="0" presStyleCnt="3">
         <dgm:presLayoutVars>
           <dgm:bulletEnabled val="1"/>
         </dgm:presLayoutVars>
       </dgm:prSet>
       <dgm:spPr/>
     </dgm:pt>
-    <dgm:pt modelId="{FFCA77CE-B413-497D-8E08-A3E971EB482D}" type="pres">
-      <dgm:prSet presAssocID="{9554DE10-8BD0-4D4D-94F1-192B3079C45D}" presName="parTrans" presStyleLbl="bgSibTrans2D1" presStyleIdx="1" presStyleCnt="3" custAng="10800000" custFlipHor="0" custScaleX="54375" custLinFactNeighborX="0" custLinFactNeighborY="-73113"/>
+    <dgm:pt modelId="{B966AD6E-A4C0-496F-BAF4-BA9007C09687}" type="pres">
+      <dgm:prSet presAssocID="{9554DE10-8BD0-4D4D-94F1-192B3079C45D}" presName="parTrans" presStyleLbl="bgSibTrans2D1" presStyleIdx="1" presStyleCnt="3"/>
       <dgm:spPr/>
     </dgm:pt>
-    <dgm:pt modelId="{D10B7952-B9B6-486E-A906-6173FBA9619F}" type="pres">
-      <dgm:prSet presAssocID="{143F745E-B4A8-42AE-B057-D23DCF88E4AF}" presName="node" presStyleLbl="node1" presStyleIdx="1" presStyleCnt="3" custRadScaleRad="112" custRadScaleInc="5">
+    <dgm:pt modelId="{89EF4D7B-EB92-483A-AB3B-783AD88EBA79}" type="pres">
+      <dgm:prSet presAssocID="{143F745E-B4A8-42AE-B057-D23DCF88E4AF}" presName="node" presStyleLbl="node1" presStyleIdx="1" presStyleCnt="3">
         <dgm:presLayoutVars>
           <dgm:bulletEnabled val="1"/>
         </dgm:presLayoutVars>
       </dgm:prSet>
       <dgm:spPr/>
     </dgm:pt>
-    <dgm:pt modelId="{FEEB545D-852B-43C1-8810-4A55375017D1}" type="pres">
-      <dgm:prSet presAssocID="{42D5901D-A564-4316-B5D3-969C7AA1993E}" presName="parTrans" presStyleLbl="bgSibTrans2D1" presStyleIdx="2" presStyleCnt="3" custAng="17404172" custFlipHor="1" custScaleX="52801" custLinFactNeighborX="-35405" custLinFactNeighborY="1204"/>
+    <dgm:pt modelId="{28D1FD98-A21B-4435-9F48-EBAF3E818956}" type="pres">
+      <dgm:prSet presAssocID="{42D5901D-A564-4316-B5D3-969C7AA1993E}" presName="parTrans" presStyleLbl="bgSibTrans2D1" presStyleIdx="2" presStyleCnt="3"/>
       <dgm:spPr/>
     </dgm:pt>
-    <dgm:pt modelId="{DCBF49E3-113F-4CFA-80E2-534C82D05BEA}" type="pres">
-      <dgm:prSet presAssocID="{7FC57E10-5E41-4A0A-B9D5-57695154C279}" presName="node" presStyleLbl="node1" presStyleIdx="2" presStyleCnt="3" custRadScaleRad="114184" custRadScaleInc="16585">
+    <dgm:pt modelId="{8B641B2C-883F-4B9D-B97A-8BF4D01E9424}" type="pres">
+      <dgm:prSet presAssocID="{7FC57E10-5E41-4A0A-B9D5-57695154C279}" presName="node" presStyleLbl="node1" presStyleIdx="2" presStyleCnt="3">
         <dgm:presLayoutVars>
           <dgm:bulletEnabled val="1"/>
         </dgm:presLayoutVars>
@@ -2539,23 +2755,23 @@
   <dgm:cxnLst>
     <dgm:cxn modelId="{E4E6B90B-7A57-455F-993F-45F0EEAC0DB8}" srcId="{33974082-D0C9-47CE-9B54-A88710BB0627}" destId="{143F745E-B4A8-42AE-B057-D23DCF88E4AF}" srcOrd="1" destOrd="0" parTransId="{9554DE10-8BD0-4D4D-94F1-192B3079C45D}" sibTransId="{3D22850B-9C7E-46DC-841D-5D2375DDE9CB}"/>
     <dgm:cxn modelId="{C6E6AC10-D1FF-4F30-B096-0C02F2F54306}" srcId="{33974082-D0C9-47CE-9B54-A88710BB0627}" destId="{7FC57E10-5E41-4A0A-B9D5-57695154C279}" srcOrd="2" destOrd="0" parTransId="{42D5901D-A564-4316-B5D3-969C7AA1993E}" sibTransId="{AB56ED9F-A898-4A63-84CE-24F6E4EF95C3}"/>
-    <dgm:cxn modelId="{A6317214-42DE-4851-AFA0-21B45F8B0045}" type="presOf" srcId="{7FC57E10-5E41-4A0A-B9D5-57695154C279}" destId="{DCBF49E3-113F-4CFA-80E2-534C82D05BEA}" srcOrd="0" destOrd="0" presId="urn:microsoft.com/office/officeart/2005/8/layout/radial4"/>
-    <dgm:cxn modelId="{A8A0A51A-1B41-4807-A094-F86CAC7B0E4B}" type="presOf" srcId="{9554DE10-8BD0-4D4D-94F1-192B3079C45D}" destId="{FFCA77CE-B413-497D-8E08-A3E971EB482D}" srcOrd="0" destOrd="0" presId="urn:microsoft.com/office/officeart/2005/8/layout/radial4"/>
-    <dgm:cxn modelId="{D0E27D1B-A1F9-4C33-9CB0-1634819FFEF2}" type="presOf" srcId="{A56D1D4E-6F15-4ABC-B5A8-673F20F860F4}" destId="{757AEE49-2866-4803-866F-3EA84724238E}" srcOrd="0" destOrd="0" presId="urn:microsoft.com/office/officeart/2005/8/layout/radial4"/>
-    <dgm:cxn modelId="{128D9E35-F98C-471E-AAD8-CFBBCE0CECE0}" type="presOf" srcId="{702FD074-8D8C-468E-B6E3-B8D566811D09}" destId="{808B697F-CB94-448E-BB5B-ADF6D1E4E477}" srcOrd="0" destOrd="0" presId="urn:microsoft.com/office/officeart/2005/8/layout/radial4"/>
-    <dgm:cxn modelId="{55F5AF49-322D-49E3-AE67-9FCC3C4922DB}" type="presOf" srcId="{143F745E-B4A8-42AE-B057-D23DCF88E4AF}" destId="{D10B7952-B9B6-486E-A906-6173FBA9619F}" srcOrd="0" destOrd="0" presId="urn:microsoft.com/office/officeart/2005/8/layout/radial4"/>
-    <dgm:cxn modelId="{00B12D7D-257D-4E32-9023-267C22EA13C4}" type="presOf" srcId="{33974082-D0C9-47CE-9B54-A88710BB0627}" destId="{6A686714-3920-4351-B51C-DD8AC23C7B37}" srcOrd="0" destOrd="0" presId="urn:microsoft.com/office/officeart/2005/8/layout/radial4"/>
-    <dgm:cxn modelId="{7AFFB1A3-6664-43C4-B7FD-6D17F3C422A1}" type="presOf" srcId="{AAC73C44-7C2C-4818-80D5-C62A0758472A}" destId="{DBE5BDAC-ED3C-4580-831A-B00CDF90B973}" srcOrd="0" destOrd="0" presId="urn:microsoft.com/office/officeart/2005/8/layout/radial4"/>
+    <dgm:cxn modelId="{3B162B45-0E8A-47D8-87E8-5572CEB2C6EC}" type="presOf" srcId="{42D5901D-A564-4316-B5D3-969C7AA1993E}" destId="{28D1FD98-A21B-4435-9F48-EBAF3E818956}" srcOrd="0" destOrd="0" presId="urn:microsoft.com/office/officeart/2005/8/layout/radial4"/>
+    <dgm:cxn modelId="{37C99D6D-70A8-4097-95A5-24C3405AB711}" type="presOf" srcId="{143F745E-B4A8-42AE-B057-D23DCF88E4AF}" destId="{89EF4D7B-EB92-483A-AB3B-783AD88EBA79}" srcOrd="0" destOrd="0" presId="urn:microsoft.com/office/officeart/2005/8/layout/radial4"/>
+    <dgm:cxn modelId="{B765C190-54FC-4D85-9BB0-196CAD6E7E92}" type="presOf" srcId="{A56D1D4E-6F15-4ABC-B5A8-673F20F860F4}" destId="{A4F9186A-729D-47A7-8BD0-2C309E126371}" srcOrd="0" destOrd="0" presId="urn:microsoft.com/office/officeart/2005/8/layout/radial4"/>
+    <dgm:cxn modelId="{DC39F8D3-D6A6-4EA5-A8F5-C135281FEEE7}" type="presOf" srcId="{7FC57E10-5E41-4A0A-B9D5-57695154C279}" destId="{8B641B2C-883F-4B9D-B97A-8BF4D01E9424}" srcOrd="0" destOrd="0" presId="urn:microsoft.com/office/officeart/2005/8/layout/radial4"/>
     <dgm:cxn modelId="{262996DF-D37E-4456-BDEC-EB6D3403A69E}" srcId="{A56D1D4E-6F15-4ABC-B5A8-673F20F860F4}" destId="{33974082-D0C9-47CE-9B54-A88710BB0627}" srcOrd="0" destOrd="0" parTransId="{98796903-ECEB-47B2-ABA1-0142DC8EB51C}" sibTransId="{AB16A02C-F66F-4178-91E6-2272B24A04C2}"/>
-    <dgm:cxn modelId="{A1D1A8F7-FE7F-4F83-9C39-74FE9E720E2F}" type="presOf" srcId="{42D5901D-A564-4316-B5D3-969C7AA1993E}" destId="{FEEB545D-852B-43C1-8810-4A55375017D1}" srcOrd="0" destOrd="0" presId="urn:microsoft.com/office/officeart/2005/8/layout/radial4"/>
+    <dgm:cxn modelId="{4B5E05E3-704F-4793-93B5-5D21C1ACC33C}" type="presOf" srcId="{702FD074-8D8C-468E-B6E3-B8D566811D09}" destId="{F7E786DD-1F64-4B71-8B9D-0C7465D8B1C4}" srcOrd="0" destOrd="0" presId="urn:microsoft.com/office/officeart/2005/8/layout/radial4"/>
+    <dgm:cxn modelId="{5F0FE0E9-D120-4651-9D84-265D23ED59B5}" type="presOf" srcId="{9554DE10-8BD0-4D4D-94F1-192B3079C45D}" destId="{B966AD6E-A4C0-496F-BAF4-BA9007C09687}" srcOrd="0" destOrd="0" presId="urn:microsoft.com/office/officeart/2005/8/layout/radial4"/>
+    <dgm:cxn modelId="{A9EDDBEA-929B-4021-BD06-7D20764A00F0}" type="presOf" srcId="{AAC73C44-7C2C-4818-80D5-C62A0758472A}" destId="{025FDAE2-197D-42D0-A6F9-B4D54C571444}" srcOrd="0" destOrd="0" presId="urn:microsoft.com/office/officeart/2005/8/layout/radial4"/>
+    <dgm:cxn modelId="{5ED70EFA-027B-496E-8BFC-EFDDE9603568}" type="presOf" srcId="{33974082-D0C9-47CE-9B54-A88710BB0627}" destId="{00EC3DF2-456B-4815-A5A7-DF153302677D}" srcOrd="0" destOrd="0" presId="urn:microsoft.com/office/officeart/2005/8/layout/radial4"/>
     <dgm:cxn modelId="{73F66FFA-BC1C-4C76-AAFF-F03B60D94172}" srcId="{33974082-D0C9-47CE-9B54-A88710BB0627}" destId="{702FD074-8D8C-468E-B6E3-B8D566811D09}" srcOrd="0" destOrd="0" parTransId="{AAC73C44-7C2C-4818-80D5-C62A0758472A}" sibTransId="{D0ACFD49-0860-493D-8B46-32676C3FBAC3}"/>
-    <dgm:cxn modelId="{C56CC482-62C1-4922-95B3-75C52FBEBB62}" type="presParOf" srcId="{757AEE49-2866-4803-866F-3EA84724238E}" destId="{6A686714-3920-4351-B51C-DD8AC23C7B37}" srcOrd="0" destOrd="0" presId="urn:microsoft.com/office/officeart/2005/8/layout/radial4"/>
-    <dgm:cxn modelId="{160B31E0-3A3A-4252-ADE5-028B3B9FFCFD}" type="presParOf" srcId="{757AEE49-2866-4803-866F-3EA84724238E}" destId="{DBE5BDAC-ED3C-4580-831A-B00CDF90B973}" srcOrd="1" destOrd="0" presId="urn:microsoft.com/office/officeart/2005/8/layout/radial4"/>
-    <dgm:cxn modelId="{C67AA3F2-8178-4243-8019-DE173AF56910}" type="presParOf" srcId="{757AEE49-2866-4803-866F-3EA84724238E}" destId="{808B697F-CB94-448E-BB5B-ADF6D1E4E477}" srcOrd="2" destOrd="0" presId="urn:microsoft.com/office/officeart/2005/8/layout/radial4"/>
-    <dgm:cxn modelId="{115ECC2F-B3F1-4C3D-976A-FA1FC57D521B}" type="presParOf" srcId="{757AEE49-2866-4803-866F-3EA84724238E}" destId="{FFCA77CE-B413-497D-8E08-A3E971EB482D}" srcOrd="3" destOrd="0" presId="urn:microsoft.com/office/officeart/2005/8/layout/radial4"/>
-    <dgm:cxn modelId="{5755FC75-1D7B-4302-835A-1AE4B58C6B81}" type="presParOf" srcId="{757AEE49-2866-4803-866F-3EA84724238E}" destId="{D10B7952-B9B6-486E-A906-6173FBA9619F}" srcOrd="4" destOrd="0" presId="urn:microsoft.com/office/officeart/2005/8/layout/radial4"/>
-    <dgm:cxn modelId="{96F8DF99-46C1-4086-89B0-0E9805986475}" type="presParOf" srcId="{757AEE49-2866-4803-866F-3EA84724238E}" destId="{FEEB545D-852B-43C1-8810-4A55375017D1}" srcOrd="5" destOrd="0" presId="urn:microsoft.com/office/officeart/2005/8/layout/radial4"/>
-    <dgm:cxn modelId="{E9859E5F-25BB-4A7B-BD6B-D14E6DFE96A6}" type="presParOf" srcId="{757AEE49-2866-4803-866F-3EA84724238E}" destId="{DCBF49E3-113F-4CFA-80E2-534C82D05BEA}" srcOrd="6" destOrd="0" presId="urn:microsoft.com/office/officeart/2005/8/layout/radial4"/>
+    <dgm:cxn modelId="{5F83F48D-6200-4A5B-A79F-D42A08B61BAE}" type="presParOf" srcId="{A4F9186A-729D-47A7-8BD0-2C309E126371}" destId="{00EC3DF2-456B-4815-A5A7-DF153302677D}" srcOrd="0" destOrd="0" presId="urn:microsoft.com/office/officeart/2005/8/layout/radial4"/>
+    <dgm:cxn modelId="{02B584C8-9E77-430F-8D83-A7D46C4E3957}" type="presParOf" srcId="{A4F9186A-729D-47A7-8BD0-2C309E126371}" destId="{025FDAE2-197D-42D0-A6F9-B4D54C571444}" srcOrd="1" destOrd="0" presId="urn:microsoft.com/office/officeart/2005/8/layout/radial4"/>
+    <dgm:cxn modelId="{7E83249C-EF91-4CAB-8195-4A90F31163FE}" type="presParOf" srcId="{A4F9186A-729D-47A7-8BD0-2C309E126371}" destId="{F7E786DD-1F64-4B71-8B9D-0C7465D8B1C4}" srcOrd="2" destOrd="0" presId="urn:microsoft.com/office/officeart/2005/8/layout/radial4"/>
+    <dgm:cxn modelId="{4A18D616-33AD-4B2D-A6D7-EA2278E1A16F}" type="presParOf" srcId="{A4F9186A-729D-47A7-8BD0-2C309E126371}" destId="{B966AD6E-A4C0-496F-BAF4-BA9007C09687}" srcOrd="3" destOrd="0" presId="urn:microsoft.com/office/officeart/2005/8/layout/radial4"/>
+    <dgm:cxn modelId="{04701A25-8361-4ED3-BFCC-7498D607BF86}" type="presParOf" srcId="{A4F9186A-729D-47A7-8BD0-2C309E126371}" destId="{89EF4D7B-EB92-483A-AB3B-783AD88EBA79}" srcOrd="4" destOrd="0" presId="urn:microsoft.com/office/officeart/2005/8/layout/radial4"/>
+    <dgm:cxn modelId="{3B9926DF-EA6E-4E92-9295-C500D0CF0AA5}" type="presParOf" srcId="{A4F9186A-729D-47A7-8BD0-2C309E126371}" destId="{28D1FD98-A21B-4435-9F48-EBAF3E818956}" srcOrd="5" destOrd="0" presId="urn:microsoft.com/office/officeart/2005/8/layout/radial4"/>
+    <dgm:cxn modelId="{F9C48309-3CC6-491E-ADDE-6CFE6F8383C9}" type="presParOf" srcId="{A4F9186A-729D-47A7-8BD0-2C309E126371}" destId="{8B641B2C-883F-4B9D-B97A-8BF4D01E9424}" srcOrd="6" destOrd="0" presId="urn:microsoft.com/office/officeart/2005/8/layout/radial4"/>
   </dgm:cxnLst>
   <dgm:bg/>
   <dgm:whole/>
@@ -2575,49 +2791,76 @@
       <dsp:cNvGrpSpPr/>
     </dsp:nvGrpSpPr>
     <dsp:grpSpPr/>
-    <dsp:sp modelId="{6A686714-3920-4351-B51C-DD8AC23C7B37}">
+    <dsp:sp modelId="{00EC3DF2-456B-4815-A5A7-DF153302677D}">
       <dsp:nvSpPr>
         <dsp:cNvPr id="0" name=""/>
         <dsp:cNvSpPr/>
       </dsp:nvSpPr>
       <dsp:spPr>
         <a:xfrm>
-          <a:off x="2874010" y="0"/>
-          <a:ext cx="2379980" cy="2379980"/>
+          <a:off x="4103632" y="2135990"/>
+          <a:ext cx="1789807" cy="1789807"/>
         </a:xfrm>
         <a:prstGeom prst="ellipse">
           <a:avLst/>
         </a:prstGeom>
-        <a:solidFill>
-          <a:schemeClr val="accent1">
-            <a:hueOff val="0"/>
-            <a:satOff val="0"/>
-            <a:lumOff val="0"/>
-            <a:alphaOff val="0"/>
-          </a:schemeClr>
-        </a:solidFill>
-        <a:ln w="12700" cap="flat" cmpd="sng" algn="ctr">
-          <a:solidFill>
-            <a:schemeClr val="lt1">
-              <a:hueOff val="0"/>
-              <a:satOff val="0"/>
-              <a:lumOff val="0"/>
-              <a:alphaOff val="0"/>
-            </a:schemeClr>
-          </a:solidFill>
-          <a:prstDash val="solid"/>
-          <a:miter lim="800000"/>
+        <a:gradFill rotWithShape="0">
+          <a:gsLst>
+            <a:gs pos="0">
+              <a:schemeClr val="accent3">
+                <a:hueOff val="0"/>
+                <a:satOff val="0"/>
+                <a:lumOff val="0"/>
+                <a:alphaOff val="0"/>
+                <a:satMod val="103000"/>
+                <a:lumMod val="102000"/>
+                <a:tint val="94000"/>
+              </a:schemeClr>
+            </a:gs>
+            <a:gs pos="50000">
+              <a:schemeClr val="accent3">
+                <a:hueOff val="0"/>
+                <a:satOff val="0"/>
+                <a:lumOff val="0"/>
+                <a:alphaOff val="0"/>
+                <a:satMod val="110000"/>
+                <a:lumMod val="100000"/>
+                <a:shade val="100000"/>
+              </a:schemeClr>
+            </a:gs>
+            <a:gs pos="100000">
+              <a:schemeClr val="accent3">
+                <a:hueOff val="0"/>
+                <a:satOff val="0"/>
+                <a:lumOff val="0"/>
+                <a:alphaOff val="0"/>
+                <a:lumMod val="99000"/>
+                <a:satMod val="120000"/>
+                <a:shade val="78000"/>
+              </a:schemeClr>
+            </a:gs>
+          </a:gsLst>
+          <a:lin ang="5400000" scaled="0"/>
+        </a:gradFill>
+        <a:ln>
+          <a:noFill/>
         </a:ln>
-        <a:effectLst/>
+        <a:effectLst>
+          <a:outerShdw blurRad="57150" dist="19050" dir="5400000" algn="ctr" rotWithShape="0">
+            <a:srgbClr val="000000">
+              <a:alpha val="63000"/>
+            </a:srgbClr>
+          </a:outerShdw>
+        </a:effectLst>
       </dsp:spPr>
       <dsp:style>
-        <a:lnRef idx="2">
+        <a:lnRef idx="0">
           <a:scrgbClr r="0" g="0" b="0"/>
         </a:lnRef>
-        <a:fillRef idx="1">
+        <a:fillRef idx="3">
           <a:scrgbClr r="0" g="0" b="0"/>
         </a:fillRef>
-        <a:effectRef idx="0">
+        <a:effectRef idx="3">
           <a:scrgbClr r="0" g="0" b="0"/>
         </a:effectRef>
         <a:fontRef idx="minor">
@@ -2625,12 +2868,12 @@
         </a:fontRef>
       </dsp:style>
       <dsp:txBody>
-        <a:bodyPr spcFirstLastPara="0" vert="horz" wrap="square" lIns="25400" tIns="25400" rIns="25400" bIns="25400" numCol="1" spcCol="1270" anchor="ctr" anchorCtr="0">
+        <a:bodyPr spcFirstLastPara="0" vert="horz" wrap="square" lIns="19050" tIns="19050" rIns="19050" bIns="19050" numCol="1" spcCol="1270" anchor="ctr" anchorCtr="0">
           <a:noAutofit/>
         </a:bodyPr>
         <a:lstStyle/>
         <a:p>
-          <a:pPr marL="0" lvl="0" indent="0" algn="ctr" defTabSz="1778000">
+          <a:pPr marL="0" lvl="0" indent="0" algn="ctr" defTabSz="1333500">
             <a:lnSpc>
               <a:spcPct val="90000"/>
             </a:lnSpc>
@@ -2643,25 +2886,25 @@
             <a:buNone/>
           </a:pPr>
           <a:r>
-            <a:rPr lang="de-CH" sz="4000" kern="1200" dirty="0"/>
+            <a:rPr lang="de-CH" sz="3000" kern="1200" dirty="0"/>
             <a:t>Landing Page</a:t>
           </a:r>
         </a:p>
       </dsp:txBody>
       <dsp:txXfrm>
-        <a:off x="3222550" y="348540"/>
-        <a:ext cx="1682900" cy="1682900"/>
+        <a:off x="4365743" y="2398101"/>
+        <a:ext cx="1265585" cy="1265585"/>
       </dsp:txXfrm>
     </dsp:sp>
-    <dsp:sp modelId="{DBE5BDAC-ED3C-4580-831A-B00CDF90B973}">
+    <dsp:sp modelId="{025FDAE2-197D-42D0-A6F9-B4D54C571444}">
       <dsp:nvSpPr>
         <dsp:cNvPr id="0" name=""/>
         <dsp:cNvSpPr/>
       </dsp:nvSpPr>
       <dsp:spPr>
-        <a:xfrm rot="19735688">
-          <a:off x="2356947" y="1641459"/>
-          <a:ext cx="757602" cy="678294"/>
+        <a:xfrm rot="12900000">
+          <a:off x="2949438" y="1822377"/>
+          <a:ext cx="1374806" cy="510095"/>
         </a:xfrm>
         <a:prstGeom prst="leftArrow">
           <a:avLst>
@@ -2669,28 +2912,66 @@
             <a:gd name="adj2" fmla="val 50000"/>
           </a:avLst>
         </a:prstGeom>
-        <a:solidFill>
-          <a:schemeClr val="accent1">
-            <a:tint val="60000"/>
-            <a:hueOff val="0"/>
-            <a:satOff val="0"/>
-            <a:lumOff val="0"/>
-            <a:alphaOff val="0"/>
-          </a:schemeClr>
-        </a:solidFill>
+        <a:gradFill rotWithShape="0">
+          <a:gsLst>
+            <a:gs pos="0">
+              <a:schemeClr val="accent3">
+                <a:tint val="60000"/>
+                <a:hueOff val="0"/>
+                <a:satOff val="0"/>
+                <a:lumOff val="0"/>
+                <a:alphaOff val="0"/>
+                <a:satMod val="103000"/>
+                <a:lumMod val="102000"/>
+                <a:tint val="94000"/>
+              </a:schemeClr>
+            </a:gs>
+            <a:gs pos="50000">
+              <a:schemeClr val="accent3">
+                <a:tint val="60000"/>
+                <a:hueOff val="0"/>
+                <a:satOff val="0"/>
+                <a:lumOff val="0"/>
+                <a:alphaOff val="0"/>
+                <a:satMod val="110000"/>
+                <a:lumMod val="100000"/>
+                <a:shade val="100000"/>
+              </a:schemeClr>
+            </a:gs>
+            <a:gs pos="100000">
+              <a:schemeClr val="accent3">
+                <a:tint val="60000"/>
+                <a:hueOff val="0"/>
+                <a:satOff val="0"/>
+                <a:lumOff val="0"/>
+                <a:alphaOff val="0"/>
+                <a:lumMod val="99000"/>
+                <a:satMod val="120000"/>
+                <a:shade val="78000"/>
+              </a:schemeClr>
+            </a:gs>
+          </a:gsLst>
+          <a:lin ang="5400000" scaled="0"/>
+        </a:gradFill>
         <a:ln>
           <a:noFill/>
         </a:ln>
-        <a:effectLst/>
+        <a:effectLst>
+          <a:outerShdw blurRad="57150" dist="19050" dir="5400000" algn="ctr" rotWithShape="0">
+            <a:srgbClr val="000000">
+              <a:alpha val="63000"/>
+            </a:srgbClr>
+          </a:outerShdw>
+        </a:effectLst>
       </dsp:spPr>
       <dsp:style>
         <a:lnRef idx="0">
           <a:scrgbClr r="0" g="0" b="0"/>
         </a:lnRef>
-        <a:fillRef idx="1">
+        <a:fillRef idx="3">
           <a:scrgbClr r="0" g="0" b="0"/>
         </a:fillRef>
-        <a:effectRef idx="0">
+        <a:effectRef idx="3">
           <a:scrgbClr r="0" g="0" b="0"/>
         </a:effectRef>
         <a:fontRef idx="minor">
@@ -2698,51 +2979,78 @@
         </a:fontRef>
       </dsp:style>
     </dsp:sp>
-    <dsp:sp modelId="{808B697F-CB94-448E-BB5B-ADF6D1E4E477}">
+    <dsp:sp modelId="{F7E786DD-1F64-4B71-8B9D-0C7465D8B1C4}">
       <dsp:nvSpPr>
         <dsp:cNvPr id="0" name=""/>
         <dsp:cNvSpPr/>
       </dsp:nvSpPr>
       <dsp:spPr>
         <a:xfrm>
-          <a:off x="0" y="1804927"/>
-          <a:ext cx="2260981" cy="1808784"/>
+          <a:off x="2223595" y="1003020"/>
+          <a:ext cx="1700317" cy="1360253"/>
         </a:xfrm>
         <a:prstGeom prst="roundRect">
           <a:avLst>
             <a:gd name="adj" fmla="val 10000"/>
           </a:avLst>
         </a:prstGeom>
-        <a:solidFill>
-          <a:schemeClr val="accent1">
-            <a:hueOff val="0"/>
-            <a:satOff val="0"/>
-            <a:lumOff val="0"/>
-            <a:alphaOff val="0"/>
-          </a:schemeClr>
-        </a:solidFill>
-        <a:ln w="12700" cap="flat" cmpd="sng" algn="ctr">
-          <a:solidFill>
-            <a:schemeClr val="lt1">
-              <a:hueOff val="0"/>
-              <a:satOff val="0"/>
-              <a:lumOff val="0"/>
-              <a:alphaOff val="0"/>
-            </a:schemeClr>
-          </a:solidFill>
-          <a:prstDash val="solid"/>
-          <a:miter lim="800000"/>
+        <a:gradFill rotWithShape="0">
+          <a:gsLst>
+            <a:gs pos="0">
+              <a:schemeClr val="accent3">
+                <a:hueOff val="0"/>
+                <a:satOff val="0"/>
+                <a:lumOff val="0"/>
+                <a:alphaOff val="0"/>
+                <a:satMod val="103000"/>
+                <a:lumMod val="102000"/>
+                <a:tint val="94000"/>
+              </a:schemeClr>
+            </a:gs>
+            <a:gs pos="50000">
+              <a:schemeClr val="accent3">
+                <a:hueOff val="0"/>
+                <a:satOff val="0"/>
+                <a:lumOff val="0"/>
+                <a:alphaOff val="0"/>
+                <a:satMod val="110000"/>
+                <a:lumMod val="100000"/>
+                <a:shade val="100000"/>
+              </a:schemeClr>
+            </a:gs>
+            <a:gs pos="100000">
+              <a:schemeClr val="accent3">
+                <a:hueOff val="0"/>
+                <a:satOff val="0"/>
+                <a:lumOff val="0"/>
+                <a:alphaOff val="0"/>
+                <a:lumMod val="99000"/>
+                <a:satMod val="120000"/>
+                <a:shade val="78000"/>
+              </a:schemeClr>
+            </a:gs>
+          </a:gsLst>
+          <a:lin ang="5400000" scaled="0"/>
+        </a:gradFill>
+        <a:ln>
+          <a:noFill/>
         </a:ln>
-        <a:effectLst/>
+        <a:effectLst>
+          <a:outerShdw blurRad="57150" dist="19050" dir="5400000" algn="ctr" rotWithShape="0">
+            <a:srgbClr val="000000">
+              <a:alpha val="63000"/>
+            </a:srgbClr>
+          </a:outerShdw>
+        </a:effectLst>
       </dsp:spPr>
       <dsp:style>
-        <a:lnRef idx="2">
+        <a:lnRef idx="0">
           <a:scrgbClr r="0" g="0" b="0"/>
         </a:lnRef>
-        <a:fillRef idx="1">
+        <a:fillRef idx="3">
           <a:scrgbClr r="0" g="0" b="0"/>
         </a:fillRef>
-        <a:effectRef idx="0">
+        <a:effectRef idx="3">
           <a:scrgbClr r="0" g="0" b="0"/>
         </a:effectRef>
         <a:fontRef idx="minor">
@@ -2750,12 +3058,12 @@
         </a:fontRef>
       </dsp:style>
       <dsp:txBody>
-        <a:bodyPr spcFirstLastPara="0" vert="horz" wrap="square" lIns="68580" tIns="68580" rIns="68580" bIns="68580" numCol="1" spcCol="1270" anchor="ctr" anchorCtr="0">
+        <a:bodyPr spcFirstLastPara="0" vert="horz" wrap="square" lIns="60960" tIns="60960" rIns="60960" bIns="60960" numCol="1" spcCol="1270" anchor="ctr" anchorCtr="0">
           <a:noAutofit/>
         </a:bodyPr>
         <a:lstStyle/>
         <a:p>
-          <a:pPr marL="0" lvl="0" indent="0" algn="ctr" defTabSz="1600200">
+          <a:pPr marL="0" lvl="0" indent="0" algn="ctr" defTabSz="1422400">
             <a:lnSpc>
               <a:spcPct val="90000"/>
             </a:lnSpc>
@@ -2768,25 +3076,25 @@
             <a:buNone/>
           </a:pPr>
           <a:r>
-            <a:rPr lang="de-CH" sz="3600" kern="1200" dirty="0"/>
+            <a:rPr lang="de-CH" sz="3200" kern="1200"/>
             <a:t>Products</a:t>
           </a:r>
         </a:p>
       </dsp:txBody>
       <dsp:txXfrm>
-        <a:off x="52977" y="1857904"/>
-        <a:ext cx="2155027" cy="1702830"/>
+        <a:off x="2263435" y="1042860"/>
+        <a:ext cx="1620637" cy="1280573"/>
       </dsp:txXfrm>
     </dsp:sp>
-    <dsp:sp modelId="{FFCA77CE-B413-497D-8E08-A3E971EB482D}">
+    <dsp:sp modelId="{B966AD6E-A4C0-496F-BAF4-BA9007C09687}">
       <dsp:nvSpPr>
         <dsp:cNvPr id="0" name=""/>
         <dsp:cNvSpPr/>
       </dsp:nvSpPr>
       <dsp:spPr>
         <a:xfrm rot="16200000">
-          <a:off x="3590468" y="2517144"/>
-          <a:ext cx="947063" cy="678294"/>
+          <a:off x="4311132" y="1113524"/>
+          <a:ext cx="1374806" cy="510095"/>
         </a:xfrm>
         <a:prstGeom prst="leftArrow">
           <a:avLst>
@@ -2794,28 +3102,66 @@
             <a:gd name="adj2" fmla="val 50000"/>
           </a:avLst>
         </a:prstGeom>
-        <a:solidFill>
-          <a:schemeClr val="accent1">
-            <a:tint val="60000"/>
-            <a:hueOff val="0"/>
-            <a:satOff val="0"/>
-            <a:lumOff val="0"/>
-            <a:alphaOff val="0"/>
-          </a:schemeClr>
-        </a:solidFill>
+        <a:gradFill rotWithShape="0">
+          <a:gsLst>
+            <a:gs pos="0">
+              <a:schemeClr val="accent3">
+                <a:tint val="60000"/>
+                <a:hueOff val="0"/>
+                <a:satOff val="0"/>
+                <a:lumOff val="0"/>
+                <a:alphaOff val="0"/>
+                <a:satMod val="103000"/>
+                <a:lumMod val="102000"/>
+                <a:tint val="94000"/>
+              </a:schemeClr>
+            </a:gs>
+            <a:gs pos="50000">
+              <a:schemeClr val="accent3">
+                <a:tint val="60000"/>
+                <a:hueOff val="0"/>
+                <a:satOff val="0"/>
+                <a:lumOff val="0"/>
+                <a:alphaOff val="0"/>
+                <a:satMod val="110000"/>
+                <a:lumMod val="100000"/>
+                <a:shade val="100000"/>
+              </a:schemeClr>
+            </a:gs>
+            <a:gs pos="100000">
+              <a:schemeClr val="accent3">
+                <a:tint val="60000"/>
+                <a:hueOff val="0"/>
+                <a:satOff val="0"/>
+                <a:lumOff val="0"/>
+                <a:alphaOff val="0"/>
+                <a:lumMod val="99000"/>
+                <a:satMod val="120000"/>
+                <a:shade val="78000"/>
+              </a:schemeClr>
+            </a:gs>
+          </a:gsLst>
+          <a:lin ang="5400000" scaled="0"/>
+        </a:gradFill>
         <a:ln>
           <a:noFill/>
         </a:ln>
-        <a:effectLst/>
+        <a:effectLst>
+          <a:outerShdw blurRad="57150" dist="19050" dir="5400000" algn="ctr" rotWithShape="0">
+            <a:srgbClr val="000000">
+              <a:alpha val="63000"/>
+            </a:srgbClr>
+          </a:outerShdw>
+        </a:effectLst>
       </dsp:spPr>
       <dsp:style>
         <a:lnRef idx="0">
           <a:scrgbClr r="0" g="0" b="0"/>
         </a:lnRef>
-        <a:fillRef idx="1">
+        <a:fillRef idx="3">
           <a:scrgbClr r="0" g="0" b="0"/>
         </a:fillRef>
-        <a:effectRef idx="0">
+        <a:effectRef idx="3">
           <a:scrgbClr r="0" g="0" b="0"/>
         </a:effectRef>
         <a:fontRef idx="minor">
@@ -2823,51 +3169,78 @@
         </a:fontRef>
       </dsp:style>
     </dsp:sp>
-    <dsp:sp modelId="{D10B7952-B9B6-486E-A906-6173FBA9619F}">
+    <dsp:sp modelId="{89EF4D7B-EB92-483A-AB3B-783AD88EBA79}">
       <dsp:nvSpPr>
         <dsp:cNvPr id="0" name=""/>
         <dsp:cNvSpPr/>
       </dsp:nvSpPr>
       <dsp:spPr>
         <a:xfrm>
-          <a:off x="2933509" y="3318683"/>
-          <a:ext cx="2260981" cy="1808784"/>
+          <a:off x="4148377" y="1042"/>
+          <a:ext cx="1700317" cy="1360253"/>
         </a:xfrm>
         <a:prstGeom prst="roundRect">
           <a:avLst>
             <a:gd name="adj" fmla="val 10000"/>
           </a:avLst>
         </a:prstGeom>
-        <a:solidFill>
-          <a:schemeClr val="accent1">
-            <a:hueOff val="0"/>
-            <a:satOff val="0"/>
-            <a:lumOff val="0"/>
-            <a:alphaOff val="0"/>
-          </a:schemeClr>
-        </a:solidFill>
-        <a:ln w="12700" cap="flat" cmpd="sng" algn="ctr">
-          <a:solidFill>
-            <a:schemeClr val="lt1">
-              <a:hueOff val="0"/>
-              <a:satOff val="0"/>
-              <a:lumOff val="0"/>
-              <a:alphaOff val="0"/>
-            </a:schemeClr>
-          </a:solidFill>
-          <a:prstDash val="solid"/>
-          <a:miter lim="800000"/>
+        <a:gradFill rotWithShape="0">
+          <a:gsLst>
+            <a:gs pos="0">
+              <a:schemeClr val="accent3">
+                <a:hueOff val="0"/>
+                <a:satOff val="0"/>
+                <a:lumOff val="0"/>
+                <a:alphaOff val="0"/>
+                <a:satMod val="103000"/>
+                <a:lumMod val="102000"/>
+                <a:tint val="94000"/>
+              </a:schemeClr>
+            </a:gs>
+            <a:gs pos="50000">
+              <a:schemeClr val="accent3">
+                <a:hueOff val="0"/>
+                <a:satOff val="0"/>
+                <a:lumOff val="0"/>
+                <a:alphaOff val="0"/>
+                <a:satMod val="110000"/>
+                <a:lumMod val="100000"/>
+                <a:shade val="100000"/>
+              </a:schemeClr>
+            </a:gs>
+            <a:gs pos="100000">
+              <a:schemeClr val="accent3">
+                <a:hueOff val="0"/>
+                <a:satOff val="0"/>
+                <a:lumOff val="0"/>
+                <a:alphaOff val="0"/>
+                <a:lumMod val="99000"/>
+                <a:satMod val="120000"/>
+                <a:shade val="78000"/>
+              </a:schemeClr>
+            </a:gs>
+          </a:gsLst>
+          <a:lin ang="5400000" scaled="0"/>
+        </a:gradFill>
+        <a:ln>
+          <a:noFill/>
         </a:ln>
-        <a:effectLst/>
+        <a:effectLst>
+          <a:outerShdw blurRad="57150" dist="19050" dir="5400000" algn="ctr" rotWithShape="0">
+            <a:srgbClr val="000000">
+              <a:alpha val="63000"/>
+            </a:srgbClr>
+          </a:outerShdw>
+        </a:effectLst>
       </dsp:spPr>
       <dsp:style>
-        <a:lnRef idx="2">
+        <a:lnRef idx="0">
           <a:scrgbClr r="0" g="0" b="0"/>
         </a:lnRef>
-        <a:fillRef idx="1">
+        <a:fillRef idx="3">
           <a:scrgbClr r="0" g="0" b="0"/>
         </a:fillRef>
-        <a:effectRef idx="0">
+        <a:effectRef idx="3">
           <a:scrgbClr r="0" g="0" b="0"/>
         </a:effectRef>
         <a:fontRef idx="minor">
@@ -2875,12 +3248,12 @@
         </a:fontRef>
       </dsp:style>
       <dsp:txBody>
-        <a:bodyPr spcFirstLastPara="0" vert="horz" wrap="square" lIns="85725" tIns="85725" rIns="85725" bIns="85725" numCol="1" spcCol="1270" anchor="ctr" anchorCtr="0">
+        <a:bodyPr spcFirstLastPara="0" vert="horz" wrap="square" lIns="60960" tIns="60960" rIns="60960" bIns="60960" numCol="1" spcCol="1270" anchor="ctr" anchorCtr="0">
           <a:noAutofit/>
         </a:bodyPr>
         <a:lstStyle/>
         <a:p>
-          <a:pPr marL="0" lvl="0" indent="0" algn="ctr" defTabSz="2000250">
+          <a:pPr marL="0" lvl="0" indent="0" algn="ctr" defTabSz="1422400">
             <a:lnSpc>
               <a:spcPct val="90000"/>
             </a:lnSpc>
@@ -2893,12 +3266,12 @@
             <a:buNone/>
           </a:pPr>
           <a:r>
-            <a:rPr lang="de-CH" sz="4500" kern="1200" dirty="0"/>
+            <a:rPr lang="de-CH" sz="3200" kern="1200" dirty="0"/>
             <a:t>About</a:t>
           </a:r>
         </a:p>
         <a:p>
-          <a:pPr marL="0" lvl="0" indent="0" algn="ctr" defTabSz="2000250">
+          <a:pPr marL="0" lvl="0" indent="0" algn="ctr" defTabSz="1422400">
             <a:lnSpc>
               <a:spcPct val="90000"/>
             </a:lnSpc>
@@ -2911,25 +3284,25 @@
             <a:buNone/>
           </a:pPr>
           <a:r>
-            <a:rPr lang="de-CH" sz="4500" kern="1200" dirty="0"/>
+            <a:rPr lang="de-CH" sz="3200" kern="1200" dirty="0"/>
             <a:t>Us</a:t>
           </a:r>
         </a:p>
       </dsp:txBody>
       <dsp:txXfrm>
-        <a:off x="2986486" y="3371660"/>
-        <a:ext cx="2155027" cy="1702830"/>
+        <a:off x="4188217" y="40882"/>
+        <a:ext cx="1620637" cy="1280573"/>
       </dsp:txXfrm>
     </dsp:sp>
-    <dsp:sp modelId="{FEEB545D-852B-43C1-8810-4A55375017D1}">
+    <dsp:sp modelId="{28D1FD98-A21B-4435-9F48-EBAF3E818956}">
       <dsp:nvSpPr>
         <dsp:cNvPr id="0" name=""/>
         <dsp:cNvSpPr/>
       </dsp:nvSpPr>
       <dsp:spPr>
-        <a:xfrm rot="2635127" flipH="1">
-          <a:off x="4905301" y="1860716"/>
-          <a:ext cx="1034943" cy="678294"/>
+        <a:xfrm rot="19500000">
+          <a:off x="5672827" y="1822377"/>
+          <a:ext cx="1374806" cy="510095"/>
         </a:xfrm>
         <a:prstGeom prst="leftArrow">
           <a:avLst>
@@ -2937,28 +3310,66 @@
             <a:gd name="adj2" fmla="val 50000"/>
           </a:avLst>
         </a:prstGeom>
-        <a:solidFill>
-          <a:schemeClr val="accent1">
-            <a:tint val="60000"/>
-            <a:hueOff val="0"/>
-            <a:satOff val="0"/>
-            <a:lumOff val="0"/>
-            <a:alphaOff val="0"/>
-          </a:schemeClr>
-        </a:solidFill>
+        <a:gradFill rotWithShape="0">
+          <a:gsLst>
+            <a:gs pos="0">
+              <a:schemeClr val="accent3">
+                <a:tint val="60000"/>
+                <a:hueOff val="0"/>
+                <a:satOff val="0"/>
+                <a:lumOff val="0"/>
+                <a:alphaOff val="0"/>
+                <a:satMod val="103000"/>
+                <a:lumMod val="102000"/>
+                <a:tint val="94000"/>
+              </a:schemeClr>
+            </a:gs>
+            <a:gs pos="50000">
+              <a:schemeClr val="accent3">
+                <a:tint val="60000"/>
+                <a:hueOff val="0"/>
+                <a:satOff val="0"/>
+                <a:lumOff val="0"/>
+                <a:alphaOff val="0"/>
+                <a:satMod val="110000"/>
+                <a:lumMod val="100000"/>
+                <a:shade val="100000"/>
+              </a:schemeClr>
+            </a:gs>
+            <a:gs pos="100000">
+              <a:schemeClr val="accent3">
+                <a:tint val="60000"/>
+                <a:hueOff val="0"/>
+                <a:satOff val="0"/>
+                <a:lumOff val="0"/>
+                <a:alphaOff val="0"/>
+                <a:lumMod val="99000"/>
+                <a:satMod val="120000"/>
+                <a:shade val="78000"/>
+              </a:schemeClr>
+            </a:gs>
+          </a:gsLst>
+          <a:lin ang="5400000" scaled="0"/>
+        </a:gradFill>
         <a:ln>
           <a:noFill/>
         </a:ln>
-        <a:effectLst/>
+        <a:effectLst>
+          <a:outerShdw blurRad="57150" dist="19050" dir="5400000" algn="ctr" rotWithShape="0">
+            <a:srgbClr val="000000">
+              <a:alpha val="63000"/>
+            </a:srgbClr>
+          </a:outerShdw>
+        </a:effectLst>
       </dsp:spPr>
       <dsp:style>
         <a:lnRef idx="0">
           <a:scrgbClr r="0" g="0" b="0"/>
         </a:lnRef>
-        <a:fillRef idx="1">
+        <a:fillRef idx="3">
           <a:scrgbClr r="0" g="0" b="0"/>
         </a:fillRef>
-        <a:effectRef idx="0">
+        <a:effectRef idx="3">
           <a:scrgbClr r="0" g="0" b="0"/>
         </a:effectRef>
         <a:fontRef idx="minor">
@@ -2966,51 +3377,78 @@
         </a:fontRef>
       </dsp:style>
     </dsp:sp>
-    <dsp:sp modelId="{DCBF49E3-113F-4CFA-80E2-534C82D05BEA}">
+    <dsp:sp modelId="{8B641B2C-883F-4B9D-B97A-8BF4D01E9424}">
       <dsp:nvSpPr>
         <dsp:cNvPr id="0" name=""/>
         <dsp:cNvSpPr/>
       </dsp:nvSpPr>
       <dsp:spPr>
         <a:xfrm>
-          <a:off x="5867019" y="1717105"/>
-          <a:ext cx="2260981" cy="1808784"/>
+          <a:off x="6073159" y="1003020"/>
+          <a:ext cx="1700317" cy="1360253"/>
         </a:xfrm>
         <a:prstGeom prst="roundRect">
           <a:avLst>
             <a:gd name="adj" fmla="val 10000"/>
           </a:avLst>
         </a:prstGeom>
-        <a:solidFill>
-          <a:schemeClr val="accent1">
-            <a:hueOff val="0"/>
-            <a:satOff val="0"/>
-            <a:lumOff val="0"/>
-            <a:alphaOff val="0"/>
-          </a:schemeClr>
-        </a:solidFill>
-        <a:ln w="12700" cap="flat" cmpd="sng" algn="ctr">
-          <a:solidFill>
-            <a:schemeClr val="lt1">
-              <a:hueOff val="0"/>
-              <a:satOff val="0"/>
-              <a:lumOff val="0"/>
-              <a:alphaOff val="0"/>
-            </a:schemeClr>
-          </a:solidFill>
-          <a:prstDash val="solid"/>
-          <a:miter lim="800000"/>
+        <a:gradFill rotWithShape="0">
+          <a:gsLst>
+            <a:gs pos="0">
+              <a:schemeClr val="accent3">
+                <a:hueOff val="0"/>
+                <a:satOff val="0"/>
+                <a:lumOff val="0"/>
+                <a:alphaOff val="0"/>
+                <a:satMod val="103000"/>
+                <a:lumMod val="102000"/>
+                <a:tint val="94000"/>
+              </a:schemeClr>
+            </a:gs>
+            <a:gs pos="50000">
+              <a:schemeClr val="accent3">
+                <a:hueOff val="0"/>
+                <a:satOff val="0"/>
+                <a:lumOff val="0"/>
+                <a:alphaOff val="0"/>
+                <a:satMod val="110000"/>
+                <a:lumMod val="100000"/>
+                <a:shade val="100000"/>
+              </a:schemeClr>
+            </a:gs>
+            <a:gs pos="100000">
+              <a:schemeClr val="accent3">
+                <a:hueOff val="0"/>
+                <a:satOff val="0"/>
+                <a:lumOff val="0"/>
+                <a:alphaOff val="0"/>
+                <a:lumMod val="99000"/>
+                <a:satMod val="120000"/>
+                <a:shade val="78000"/>
+              </a:schemeClr>
+            </a:gs>
+          </a:gsLst>
+          <a:lin ang="5400000" scaled="0"/>
+        </a:gradFill>
+        <a:ln>
+          <a:noFill/>
         </a:ln>
-        <a:effectLst/>
+        <a:effectLst>
+          <a:outerShdw blurRad="57150" dist="19050" dir="5400000" algn="ctr" rotWithShape="0">
+            <a:srgbClr val="000000">
+              <a:alpha val="63000"/>
+            </a:srgbClr>
+          </a:outerShdw>
+        </a:effectLst>
       </dsp:spPr>
       <dsp:style>
-        <a:lnRef idx="2">
+        <a:lnRef idx="0">
           <a:scrgbClr r="0" g="0" b="0"/>
         </a:lnRef>
-        <a:fillRef idx="1">
+        <a:fillRef idx="3">
           <a:scrgbClr r="0" g="0" b="0"/>
         </a:fillRef>
-        <a:effectRef idx="0">
+        <a:effectRef idx="3">
           <a:scrgbClr r="0" g="0" b="0"/>
         </a:effectRef>
         <a:fontRef idx="minor">
@@ -3018,12 +3456,12 @@
         </a:fontRef>
       </dsp:style>
       <dsp:txBody>
-        <a:bodyPr spcFirstLastPara="0" vert="horz" wrap="square" lIns="85725" tIns="85725" rIns="85725" bIns="85725" numCol="1" spcCol="1270" anchor="ctr" anchorCtr="0">
+        <a:bodyPr spcFirstLastPara="0" vert="horz" wrap="square" lIns="60960" tIns="60960" rIns="60960" bIns="60960" numCol="1" spcCol="1270" anchor="ctr" anchorCtr="0">
           <a:noAutofit/>
         </a:bodyPr>
         <a:lstStyle/>
         <a:p>
-          <a:pPr marL="0" lvl="0" indent="0" algn="ctr" defTabSz="2000250">
+          <a:pPr marL="0" lvl="0" indent="0" algn="ctr" defTabSz="1422400">
             <a:lnSpc>
               <a:spcPct val="90000"/>
             </a:lnSpc>
@@ -3036,14 +3474,14 @@
             <a:buNone/>
           </a:pPr>
           <a:r>
-            <a:rPr lang="de-CH" sz="4500" kern="1200" dirty="0"/>
+            <a:rPr lang="de-CH" sz="3200" kern="1200" dirty="0"/>
             <a:t>Contact</a:t>
           </a:r>
         </a:p>
       </dsp:txBody>
       <dsp:txXfrm>
-        <a:off x="5919996" y="1770082"/>
-        <a:ext cx="2155027" cy="1702830"/>
+        <a:off x="6112999" y="1042860"/>
+        <a:ext cx="1620637" cy="1280573"/>
       </dsp:txXfrm>
     </dsp:sp>
   </dsp:spTree>
@@ -3311,11 +3749,11 @@
 </file>
 
 <file path=ppt/diagrams/quickStyle1.xml><?xml version="1.0" encoding="utf-8"?>
-<dgm:styleDef xmlns:dgm="http://schemas.openxmlformats.org/drawingml/2006/diagram" xmlns:a="http://schemas.openxmlformats.org/drawingml/2006/main" uniqueId="urn:microsoft.com/office/officeart/2005/8/quickstyle/simple1">
+<dgm:styleDef xmlns:dgm="http://schemas.openxmlformats.org/drawingml/2006/diagram" xmlns:a="http://schemas.openxmlformats.org/drawingml/2006/main" uniqueId="urn:microsoft.com/office/officeart/2005/8/quickstyle/simple5">
   <dgm:title val=""/>
   <dgm:desc val=""/>
   <dgm:catLst>
-    <dgm:cat type="simple" pri="10100"/>
+    <dgm:cat type="simple" pri="10500"/>
   </dgm:catLst>
   <dgm:scene3d>
     <a:camera prst="orthographicFront"/>
@@ -3329,13 +3767,13 @@
     <dgm:sp3d/>
     <dgm:txPr/>
     <dgm:style>
-      <a:lnRef idx="2">
+      <a:lnRef idx="0">
         <a:scrgbClr r="0" g="0" b="0"/>
       </a:lnRef>
-      <a:fillRef idx="1">
+      <a:fillRef idx="3">
         <a:scrgbClr r="0" g="0" b="0"/>
       </a:fillRef>
-      <a:effectRef idx="0">
+      <a:effectRef idx="3">
         <a:scrgbClr r="0" g="0" b="0"/>
       </a:effectRef>
       <a:fontRef idx="minor">
@@ -3351,13 +3789,13 @@
     <dgm:sp3d/>
     <dgm:txPr/>
     <dgm:style>
-      <a:lnRef idx="2">
+      <a:lnRef idx="0">
         <a:scrgbClr r="0" g="0" b="0"/>
       </a:lnRef>
-      <a:fillRef idx="1">
+      <a:fillRef idx="3">
         <a:scrgbClr r="0" g="0" b="0"/>
       </a:fillRef>
-      <a:effectRef idx="0">
+      <a:effectRef idx="3">
         <a:scrgbClr r="0" g="0" b="0"/>
       </a:effectRef>
       <a:fontRef idx="minor">
@@ -3373,13 +3811,13 @@
     <dgm:sp3d/>
     <dgm:txPr/>
     <dgm:style>
-      <a:lnRef idx="2">
+      <a:lnRef idx="0">
         <a:scrgbClr r="0" g="0" b="0"/>
       </a:lnRef>
-      <a:fillRef idx="1">
+      <a:fillRef idx="3">
         <a:scrgbClr r="0" g="0" b="0"/>
       </a:fillRef>
-      <a:effectRef idx="0">
+      <a:effectRef idx="3">
         <a:scrgbClr r="0" g="0" b="0"/>
       </a:effectRef>
       <a:fontRef idx="minor">
@@ -3395,13 +3833,13 @@
     <dgm:sp3d/>
     <dgm:txPr/>
     <dgm:style>
-      <a:lnRef idx="2">
+      <a:lnRef idx="1">
         <a:scrgbClr r="0" g="0" b="0"/>
       </a:lnRef>
-      <a:fillRef idx="1">
+      <a:fillRef idx="3">
         <a:scrgbClr r="0" g="0" b="0"/>
       </a:fillRef>
-      <a:effectRef idx="0">
+      <a:effectRef idx="3">
         <a:scrgbClr r="0" g="0" b="0"/>
       </a:effectRef>
       <a:fontRef idx="minor">
@@ -3417,13 +3855,13 @@
     <dgm:sp3d/>
     <dgm:txPr/>
     <dgm:style>
-      <a:lnRef idx="2">
+      <a:lnRef idx="0">
         <a:scrgbClr r="0" g="0" b="0"/>
       </a:lnRef>
-      <a:fillRef idx="1">
+      <a:fillRef idx="3">
         <a:scrgbClr r="0" g="0" b="0"/>
       </a:fillRef>
-      <a:effectRef idx="0">
+      <a:effectRef idx="3">
         <a:scrgbClr r="0" g="0" b="0"/>
       </a:effectRef>
       <a:fontRef idx="minor">
@@ -3439,13 +3877,13 @@
     <dgm:sp3d/>
     <dgm:txPr/>
     <dgm:style>
-      <a:lnRef idx="2">
+      <a:lnRef idx="0">
         <a:scrgbClr r="0" g="0" b="0"/>
       </a:lnRef>
-      <a:fillRef idx="1">
+      <a:fillRef idx="3">
         <a:scrgbClr r="0" g="0" b="0"/>
       </a:fillRef>
-      <a:effectRef idx="0">
+      <a:effectRef idx="3">
         <a:scrgbClr r="0" g="0" b="0"/>
       </a:effectRef>
       <a:fontRef idx="minor">
@@ -3461,13 +3899,13 @@
     <dgm:sp3d/>
     <dgm:txPr/>
     <dgm:style>
-      <a:lnRef idx="2">
+      <a:lnRef idx="0">
         <a:scrgbClr r="0" g="0" b="0"/>
       </a:lnRef>
-      <a:fillRef idx="1">
+      <a:fillRef idx="3">
         <a:scrgbClr r="0" g="0" b="0"/>
       </a:fillRef>
-      <a:effectRef idx="0">
+      <a:effectRef idx="3">
         <a:scrgbClr r="0" g="0" b="0"/>
       </a:effectRef>
       <a:fontRef idx="minor">
@@ -3483,13 +3921,13 @@
     <dgm:sp3d/>
     <dgm:txPr/>
     <dgm:style>
-      <a:lnRef idx="2">
+      <a:lnRef idx="0">
         <a:scrgbClr r="0" g="0" b="0"/>
       </a:lnRef>
-      <a:fillRef idx="1">
+      <a:fillRef idx="3">
         <a:scrgbClr r="0" g="0" b="0"/>
       </a:fillRef>
-      <a:effectRef idx="0">
+      <a:effectRef idx="3">
         <a:scrgbClr r="0" g="0" b="0"/>
       </a:effectRef>
       <a:fontRef idx="minor">
@@ -3505,13 +3943,13 @@
     <dgm:sp3d/>
     <dgm:txPr/>
     <dgm:style>
-      <a:lnRef idx="2">
+      <a:lnRef idx="0">
         <a:scrgbClr r="0" g="0" b="0"/>
       </a:lnRef>
       <a:fillRef idx="1">
         <a:scrgbClr r="0" g="0" b="0"/>
       </a:fillRef>
-      <a:effectRef idx="0">
+      <a:effectRef idx="3">
         <a:scrgbClr r="0" g="0" b="0"/>
       </a:effectRef>
       <a:fontRef idx="minor"/>
@@ -3525,13 +3963,13 @@
     <dgm:sp3d/>
     <dgm:txPr/>
     <dgm:style>
-      <a:lnRef idx="2">
+      <a:lnRef idx="0">
         <a:scrgbClr r="0" g="0" b="0"/>
       </a:lnRef>
       <a:fillRef idx="1">
         <a:scrgbClr r="0" g="0" b="0"/>
       </a:fillRef>
-      <a:effectRef idx="0">
+      <a:effectRef idx="3">
         <a:scrgbClr r="0" g="0" b="0"/>
       </a:effectRef>
       <a:fontRef idx="minor"/>
@@ -3545,13 +3983,13 @@
     <dgm:sp3d/>
     <dgm:txPr/>
     <dgm:style>
-      <a:lnRef idx="2">
+      <a:lnRef idx="0">
         <a:scrgbClr r="0" g="0" b="0"/>
       </a:lnRef>
       <a:fillRef idx="1">
         <a:scrgbClr r="0" g="0" b="0"/>
       </a:fillRef>
-      <a:effectRef idx="0">
+      <a:effectRef idx="3">
         <a:scrgbClr r="0" g="0" b="0"/>
       </a:effectRef>
       <a:fontRef idx="minor"/>
@@ -3568,10 +4006,10 @@
       <a:lnRef idx="0">
         <a:scrgbClr r="0" g="0" b="0"/>
       </a:lnRef>
-      <a:fillRef idx="1">
+      <a:fillRef idx="3">
         <a:scrgbClr r="0" g="0" b="0"/>
       </a:fillRef>
-      <a:effectRef idx="0">
+      <a:effectRef idx="3">
         <a:scrgbClr r="0" g="0" b="0"/>
       </a:effectRef>
       <a:fontRef idx="minor">
@@ -3590,10 +4028,10 @@
       <a:lnRef idx="0">
         <a:scrgbClr r="0" g="0" b="0"/>
       </a:lnRef>
-      <a:fillRef idx="1">
+      <a:fillRef idx="3">
         <a:scrgbClr r="0" g="0" b="0"/>
       </a:fillRef>
-      <a:effectRef idx="0">
+      <a:effectRef idx="3">
         <a:scrgbClr r="0" g="0" b="0"/>
       </a:effectRef>
       <a:fontRef idx="minor">
@@ -3612,10 +4050,10 @@
       <a:lnRef idx="0">
         <a:scrgbClr r="0" g="0" b="0"/>
       </a:lnRef>
-      <a:fillRef idx="1">
+      <a:fillRef idx="3">
         <a:scrgbClr r="0" g="0" b="0"/>
       </a:fillRef>
-      <a:effectRef idx="0">
+      <a:effectRef idx="3">
         <a:scrgbClr r="0" g="0" b="0"/>
       </a:effectRef>
       <a:fontRef idx="minor">
@@ -3651,13 +4089,13 @@
     <dgm:sp3d/>
     <dgm:txPr/>
     <dgm:style>
-      <a:lnRef idx="2">
+      <a:lnRef idx="1">
         <a:scrgbClr r="0" g="0" b="0"/>
       </a:lnRef>
-      <a:fillRef idx="1">
+      <a:fillRef idx="0">
         <a:scrgbClr r="0" g="0" b="0"/>
       </a:fillRef>
-      <a:effectRef idx="0">
+      <a:effectRef idx="1">
         <a:scrgbClr r="0" g="0" b="0"/>
       </a:effectRef>
       <a:fontRef idx="minor"/>
@@ -3671,13 +4109,13 @@
     <dgm:sp3d/>
     <dgm:txPr/>
     <dgm:style>
-      <a:lnRef idx="2">
+      <a:lnRef idx="0">
         <a:scrgbClr r="0" g="0" b="0"/>
       </a:lnRef>
-      <a:fillRef idx="1">
+      <a:fillRef idx="3">
         <a:scrgbClr r="0" g="0" b="0"/>
       </a:fillRef>
-      <a:effectRef idx="0">
+      <a:effectRef idx="3">
         <a:scrgbClr r="0" g="0" b="0"/>
       </a:effectRef>
       <a:fontRef idx="minor">
@@ -3693,13 +4131,13 @@
     <dgm:sp3d/>
     <dgm:txPr/>
     <dgm:style>
-      <a:lnRef idx="2">
+      <a:lnRef idx="0">
         <a:scrgbClr r="0" g="0" b="0"/>
       </a:lnRef>
-      <a:fillRef idx="1">
+      <a:fillRef idx="3">
         <a:scrgbClr r="0" g="0" b="0"/>
       </a:fillRef>
-      <a:effectRef idx="0">
+      <a:effectRef idx="3">
         <a:scrgbClr r="0" g="0" b="0"/>
       </a:effectRef>
       <a:fontRef idx="minor">
@@ -3715,13 +4153,13 @@
     <dgm:sp3d/>
     <dgm:txPr/>
     <dgm:style>
-      <a:lnRef idx="2">
+      <a:lnRef idx="0">
         <a:scrgbClr r="0" g="0" b="0"/>
       </a:lnRef>
-      <a:fillRef idx="1">
+      <a:fillRef idx="3">
         <a:scrgbClr r="0" g="0" b="0"/>
       </a:fillRef>
-      <a:effectRef idx="0">
+      <a:effectRef idx="3">
         <a:scrgbClr r="0" g="0" b="0"/>
       </a:effectRef>
       <a:fontRef idx="minor">
@@ -3737,13 +4175,13 @@
     <dgm:sp3d/>
     <dgm:txPr/>
     <dgm:style>
-      <a:lnRef idx="2">
+      <a:lnRef idx="0">
         <a:scrgbClr r="0" g="0" b="0"/>
       </a:lnRef>
-      <a:fillRef idx="1">
+      <a:fillRef idx="3">
         <a:scrgbClr r="0" g="0" b="0"/>
       </a:fillRef>
-      <a:effectRef idx="0">
+      <a:effectRef idx="3">
         <a:scrgbClr r="0" g="0" b="0"/>
       </a:effectRef>
       <a:fontRef idx="minor">
@@ -3759,13 +4197,13 @@
     <dgm:sp3d/>
     <dgm:txPr/>
     <dgm:style>
-      <a:lnRef idx="2">
+      <a:lnRef idx="0">
         <a:scrgbClr r="0" g="0" b="0"/>
       </a:lnRef>
-      <a:fillRef idx="1">
+      <a:fillRef idx="3">
         <a:scrgbClr r="0" g="0" b="0"/>
       </a:fillRef>
-      <a:effectRef idx="0">
+      <a:effectRef idx="3">
         <a:scrgbClr r="0" g="0" b="0"/>
       </a:effectRef>
       <a:fontRef idx="minor">
@@ -3781,13 +4219,13 @@
     <dgm:sp3d/>
     <dgm:txPr/>
     <dgm:style>
-      <a:lnRef idx="2">
+      <a:lnRef idx="0">
         <a:scrgbClr r="0" g="0" b="0"/>
       </a:lnRef>
-      <a:fillRef idx="1">
+      <a:fillRef idx="3">
         <a:scrgbClr r="0" g="0" b="0"/>
       </a:fillRef>
-      <a:effectRef idx="0">
+      <a:effectRef idx="3">
         <a:scrgbClr r="0" g="0" b="0"/>
       </a:effectRef>
       <a:fontRef idx="minor">
@@ -3803,13 +4241,13 @@
     <dgm:sp3d/>
     <dgm:txPr/>
     <dgm:style>
-      <a:lnRef idx="2">
+      <a:lnRef idx="0">
         <a:scrgbClr r="0" g="0" b="0"/>
       </a:lnRef>
-      <a:fillRef idx="1">
+      <a:fillRef idx="3">
         <a:scrgbClr r="0" g="0" b="0"/>
       </a:fillRef>
-      <a:effectRef idx="0">
+      <a:effectRef idx="3">
         <a:scrgbClr r="0" g="0" b="0"/>
       </a:effectRef>
       <a:fontRef idx="minor">
@@ -3825,13 +4263,13 @@
     <dgm:sp3d/>
     <dgm:txPr/>
     <dgm:style>
-      <a:lnRef idx="2">
+      <a:lnRef idx="0">
         <a:scrgbClr r="0" g="0" b="0"/>
       </a:lnRef>
-      <a:fillRef idx="1">
+      <a:fillRef idx="3">
         <a:scrgbClr r="0" g="0" b="0"/>
       </a:fillRef>
-      <a:effectRef idx="0">
+      <a:effectRef idx="3">
         <a:scrgbClr r="0" g="0" b="0"/>
       </a:effectRef>
       <a:fontRef idx="minor">
@@ -3847,13 +4285,13 @@
     <dgm:sp3d/>
     <dgm:txPr/>
     <dgm:style>
-      <a:lnRef idx="2">
+      <a:lnRef idx="0">
         <a:scrgbClr r="0" g="0" b="0"/>
       </a:lnRef>
-      <a:fillRef idx="1">
+      <a:fillRef idx="3">
         <a:scrgbClr r="0" g="0" b="0"/>
       </a:fillRef>
-      <a:effectRef idx="0">
+      <a:effectRef idx="3">
         <a:scrgbClr r="0" g="0" b="0"/>
       </a:effectRef>
       <a:fontRef idx="minor">
@@ -3949,13 +4387,13 @@
     <dgm:sp3d/>
     <dgm:txPr/>
     <dgm:style>
-      <a:lnRef idx="2">
+      <a:lnRef idx="1">
         <a:scrgbClr r="0" g="0" b="0"/>
       </a:lnRef>
       <a:fillRef idx="1">
         <a:scrgbClr r="0" g="0" b="0"/>
       </a:fillRef>
-      <a:effectRef idx="0">
+      <a:effectRef idx="2">
         <a:scrgbClr r="0" g="0" b="0"/>
       </a:effectRef>
       <a:fontRef idx="minor"/>
@@ -3969,13 +4407,13 @@
     <dgm:sp3d/>
     <dgm:txPr/>
     <dgm:style>
-      <a:lnRef idx="2">
+      <a:lnRef idx="1">
         <a:scrgbClr r="0" g="0" b="0"/>
       </a:lnRef>
       <a:fillRef idx="1">
         <a:scrgbClr r="0" g="0" b="0"/>
       </a:fillRef>
-      <a:effectRef idx="0">
+      <a:effectRef idx="2">
         <a:scrgbClr r="0" g="0" b="0"/>
       </a:effectRef>
       <a:fontRef idx="minor"/>
@@ -3989,13 +4427,13 @@
     <dgm:sp3d/>
     <dgm:txPr/>
     <dgm:style>
-      <a:lnRef idx="2">
+      <a:lnRef idx="1">
         <a:scrgbClr r="0" g="0" b="0"/>
       </a:lnRef>
       <a:fillRef idx="1">
         <a:scrgbClr r="0" g="0" b="0"/>
       </a:fillRef>
-      <a:effectRef idx="0">
+      <a:effectRef idx="2">
         <a:scrgbClr r="0" g="0" b="0"/>
       </a:effectRef>
       <a:fontRef idx="minor"/>
@@ -4029,13 +4467,13 @@
     <dgm:sp3d/>
     <dgm:txPr/>
     <dgm:style>
-      <a:lnRef idx="2">
+      <a:lnRef idx="1">
         <a:scrgbClr r="0" g="0" b="0"/>
       </a:lnRef>
       <a:fillRef idx="1">
         <a:scrgbClr r="0" g="0" b="0"/>
       </a:fillRef>
-      <a:effectRef idx="0">
+      <a:effectRef idx="2">
         <a:scrgbClr r="0" g="0" b="0"/>
       </a:effectRef>
       <a:fontRef idx="minor"/>
@@ -4049,13 +4487,13 @@
     <dgm:sp3d/>
     <dgm:txPr/>
     <dgm:style>
-      <a:lnRef idx="2">
+      <a:lnRef idx="1">
         <a:scrgbClr r="0" g="0" b="0"/>
       </a:lnRef>
       <a:fillRef idx="1">
         <a:scrgbClr r="0" g="0" b="0"/>
       </a:fillRef>
-      <a:effectRef idx="0">
+      <a:effectRef idx="2">
         <a:scrgbClr r="0" g="0" b="0"/>
       </a:effectRef>
       <a:fontRef idx="minor"/>
@@ -4069,13 +4507,13 @@
     <dgm:sp3d/>
     <dgm:txPr/>
     <dgm:style>
-      <a:lnRef idx="2">
+      <a:lnRef idx="1">
         <a:scrgbClr r="0" g="0" b="0"/>
       </a:lnRef>
       <a:fillRef idx="1">
         <a:scrgbClr r="0" g="0" b="0"/>
       </a:fillRef>
-      <a:effectRef idx="0">
+      <a:effectRef idx="3">
         <a:scrgbClr r="0" g="0" b="0"/>
       </a:effectRef>
       <a:fontRef idx="minor"/>
@@ -4089,13 +4527,13 @@
     <dgm:sp3d/>
     <dgm:txPr/>
     <dgm:style>
-      <a:lnRef idx="2">
+      <a:lnRef idx="1">
         <a:scrgbClr r="0" g="0" b="0"/>
       </a:lnRef>
       <a:fillRef idx="1">
         <a:scrgbClr r="0" g="0" b="0"/>
       </a:fillRef>
-      <a:effectRef idx="0">
+      <a:effectRef idx="3">
         <a:scrgbClr r="0" g="0" b="0"/>
       </a:effectRef>
       <a:fontRef idx="minor"/>
@@ -4109,13 +4547,13 @@
     <dgm:sp3d/>
     <dgm:txPr/>
     <dgm:style>
-      <a:lnRef idx="2">
+      <a:lnRef idx="1">
         <a:scrgbClr r="0" g="0" b="0"/>
       </a:lnRef>
       <a:fillRef idx="1">
         <a:scrgbClr r="0" g="0" b="0"/>
       </a:fillRef>
-      <a:effectRef idx="0">
+      <a:effectRef idx="2">
         <a:scrgbClr r="0" g="0" b="0"/>
       </a:effectRef>
       <a:fontRef idx="minor"/>
@@ -4129,13 +4567,13 @@
     <dgm:sp3d/>
     <dgm:txPr/>
     <dgm:style>
-      <a:lnRef idx="2">
+      <a:lnRef idx="1">
         <a:scrgbClr r="0" g="0" b="0"/>
       </a:lnRef>
       <a:fillRef idx="1">
         <a:scrgbClr r="0" g="0" b="0"/>
       </a:fillRef>
-      <a:effectRef idx="0">
+      <a:effectRef idx="2">
         <a:scrgbClr r="0" g="0" b="0"/>
       </a:effectRef>
       <a:fontRef idx="minor"/>
@@ -4149,13 +4587,13 @@
     <dgm:sp3d/>
     <dgm:txPr/>
     <dgm:style>
-      <a:lnRef idx="2">
+      <a:lnRef idx="1">
         <a:scrgbClr r="0" g="0" b="0"/>
       </a:lnRef>
       <a:fillRef idx="1">
         <a:scrgbClr r="0" g="0" b="0"/>
       </a:fillRef>
-      <a:effectRef idx="0">
+      <a:effectRef idx="2">
         <a:scrgbClr r="0" g="0" b="0"/>
       </a:effectRef>
       <a:fontRef idx="minor"/>
@@ -4169,13 +4607,13 @@
     <dgm:sp3d/>
     <dgm:txPr/>
     <dgm:style>
-      <a:lnRef idx="2">
+      <a:lnRef idx="1">
         <a:scrgbClr r="0" g="0" b="0"/>
       </a:lnRef>
       <a:fillRef idx="1">
         <a:scrgbClr r="0" g="0" b="0"/>
       </a:fillRef>
-      <a:effectRef idx="0">
+      <a:effectRef idx="2">
         <a:scrgbClr r="0" g="0" b="0"/>
       </a:effectRef>
       <a:fontRef idx="minor"/>
@@ -4189,13 +4627,13 @@
     <dgm:sp3d/>
     <dgm:txPr/>
     <dgm:style>
-      <a:lnRef idx="2">
+      <a:lnRef idx="1">
         <a:scrgbClr r="0" g="0" b="0"/>
       </a:lnRef>
       <a:fillRef idx="1">
         <a:scrgbClr r="0" g="0" b="0"/>
       </a:fillRef>
-      <a:effectRef idx="0">
+      <a:effectRef idx="2">
         <a:scrgbClr r="0" g="0" b="0"/>
       </a:effectRef>
       <a:fontRef idx="minor"/>
@@ -4209,13 +4647,13 @@
     <dgm:sp3d/>
     <dgm:txPr/>
     <dgm:style>
-      <a:lnRef idx="2">
+      <a:lnRef idx="1">
         <a:scrgbClr r="0" g="0" b="0"/>
       </a:lnRef>
       <a:fillRef idx="1">
         <a:scrgbClr r="0" g="0" b="0"/>
       </a:fillRef>
-      <a:effectRef idx="0">
+      <a:effectRef idx="2">
         <a:scrgbClr r="0" g="0" b="0"/>
       </a:effectRef>
       <a:fontRef idx="minor"/>
@@ -4229,13 +4667,13 @@
     <dgm:sp3d/>
     <dgm:txPr/>
     <dgm:style>
-      <a:lnRef idx="2">
+      <a:lnRef idx="1">
         <a:scrgbClr r="0" g="0" b="0"/>
       </a:lnRef>
       <a:fillRef idx="1">
         <a:scrgbClr r="0" g="0" b="0"/>
       </a:fillRef>
-      <a:effectRef idx="0">
+      <a:effectRef idx="2">
         <a:scrgbClr r="0" g="0" b="0"/>
       </a:effectRef>
       <a:fontRef idx="minor"/>
@@ -4255,7 +4693,7 @@
       <a:fillRef idx="1">
         <a:scrgbClr r="0" g="0" b="0"/>
       </a:fillRef>
-      <a:effectRef idx="0">
+      <a:effectRef idx="2">
         <a:scrgbClr r="0" g="0" b="0"/>
       </a:effectRef>
       <a:fontRef idx="minor"/>
@@ -4275,7 +4713,7 @@
       <a:fillRef idx="1">
         <a:scrgbClr r="0" g="0" b="0"/>
       </a:fillRef>
-      <a:effectRef idx="0">
+      <a:effectRef idx="3">
         <a:scrgbClr r="0" g="0" b="0"/>
       </a:effectRef>
       <a:fontRef idx="minor"/>
@@ -4309,13 +4747,13 @@
     <dgm:sp3d/>
     <dgm:txPr/>
     <dgm:style>
-      <a:lnRef idx="2">
+      <a:lnRef idx="0">
         <a:scrgbClr r="0" g="0" b="0"/>
       </a:lnRef>
-      <a:fillRef idx="1">
+      <a:fillRef idx="3">
         <a:scrgbClr r="0" g="0" b="0"/>
       </a:fillRef>
-      <a:effectRef idx="0">
+      <a:effectRef idx="3">
         <a:scrgbClr r="0" g="0" b="0"/>
       </a:effectRef>
       <a:fontRef idx="minor"/>
@@ -4519,7 +4957,7 @@
           <a:p>
             <a:fld id="{ACB5DEF1-53FD-4D1E-BB0E-A2ECAA62A5D4}" type="slidenum">
               <a:rPr lang="de-CH" smtClean="0"/>
-              <a:t>‹Nr.›</a:t>
+              <a:t>‹#›</a:t>
             </a:fld>
             <a:endParaRPr lang="de-CH"/>
           </a:p>
@@ -4781,7 +5219,7 @@
           <a:p>
             <a:fld id="{D13EB66E-105C-495E-9499-9834B5382EC2}" type="slidenum">
               <a:rPr lang="de-CH" smtClean="0"/>
-              <a:t>‹Nr.›</a:t>
+              <a:t>‹#›</a:t>
             </a:fld>
             <a:endParaRPr lang="de-CH"/>
           </a:p>
@@ -5094,7 +5532,7 @@
           <a:p>
             <a:fld id="{14501A63-F481-416F-B044-6EFC33159BA5}" type="slidenum">
               <a:rPr lang="de-CH" smtClean="0"/>
-              <a:t>‹Nr.›</a:t>
+              <a:t>‹#›</a:t>
             </a:fld>
             <a:endParaRPr lang="de-CH"/>
           </a:p>
@@ -5294,7 +5732,7 @@
           <a:p>
             <a:fld id="{14501A63-F481-416F-B044-6EFC33159BA5}" type="slidenum">
               <a:rPr lang="de-CH" smtClean="0"/>
-              <a:t>‹Nr.›</a:t>
+              <a:t>‹#›</a:t>
             </a:fld>
             <a:endParaRPr lang="de-CH"/>
           </a:p>
@@ -5504,7 +5942,7 @@
           <a:p>
             <a:fld id="{14501A63-F481-416F-B044-6EFC33159BA5}" type="slidenum">
               <a:rPr lang="de-CH" smtClean="0"/>
-              <a:t>‹Nr.›</a:t>
+              <a:t>‹#›</a:t>
             </a:fld>
             <a:endParaRPr lang="de-CH"/>
           </a:p>
@@ -5704,7 +6142,7 @@
           <a:p>
             <a:fld id="{14501A63-F481-416F-B044-6EFC33159BA5}" type="slidenum">
               <a:rPr lang="de-CH" smtClean="0"/>
-              <a:t>‹Nr.›</a:t>
+              <a:t>‹#›</a:t>
             </a:fld>
             <a:endParaRPr lang="de-CH"/>
           </a:p>
@@ -5980,7 +6418,7 @@
           <a:p>
             <a:fld id="{14501A63-F481-416F-B044-6EFC33159BA5}" type="slidenum">
               <a:rPr lang="de-CH" smtClean="0"/>
-              <a:t>‹Nr.›</a:t>
+              <a:t>‹#›</a:t>
             </a:fld>
             <a:endParaRPr lang="de-CH"/>
           </a:p>
@@ -6248,7 +6686,7 @@
           <a:p>
             <a:fld id="{14501A63-F481-416F-B044-6EFC33159BA5}" type="slidenum">
               <a:rPr lang="de-CH" smtClean="0"/>
-              <a:t>‹Nr.›</a:t>
+              <a:t>‹#›</a:t>
             </a:fld>
             <a:endParaRPr lang="de-CH"/>
           </a:p>
@@ -6663,7 +7101,7 @@
           <a:p>
             <a:fld id="{14501A63-F481-416F-B044-6EFC33159BA5}" type="slidenum">
               <a:rPr lang="de-CH" smtClean="0"/>
-              <a:t>‹Nr.›</a:t>
+              <a:t>‹#›</a:t>
             </a:fld>
             <a:endParaRPr lang="de-CH"/>
           </a:p>
@@ -6805,7 +7243,7 @@
           <a:p>
             <a:fld id="{14501A63-F481-416F-B044-6EFC33159BA5}" type="slidenum">
               <a:rPr lang="de-CH" smtClean="0"/>
-              <a:t>‹Nr.›</a:t>
+              <a:t>‹#›</a:t>
             </a:fld>
             <a:endParaRPr lang="de-CH"/>
           </a:p>
@@ -6918,7 +7356,7 @@
           <a:p>
             <a:fld id="{14501A63-F481-416F-B044-6EFC33159BA5}" type="slidenum">
               <a:rPr lang="de-CH" smtClean="0"/>
-              <a:t>‹Nr.›</a:t>
+              <a:t>‹#›</a:t>
             </a:fld>
             <a:endParaRPr lang="de-CH"/>
           </a:p>
@@ -7231,7 +7669,7 @@
           <a:p>
             <a:fld id="{14501A63-F481-416F-B044-6EFC33159BA5}" type="slidenum">
               <a:rPr lang="de-CH" smtClean="0"/>
-              <a:t>‹Nr.›</a:t>
+              <a:t>‹#›</a:t>
             </a:fld>
             <a:endParaRPr lang="de-CH"/>
           </a:p>
@@ -7520,7 +7958,7 @@
           <a:p>
             <a:fld id="{14501A63-F481-416F-B044-6EFC33159BA5}" type="slidenum">
               <a:rPr lang="de-CH" smtClean="0"/>
-              <a:t>‹Nr.›</a:t>
+              <a:t>‹#›</a:t>
             </a:fld>
             <a:endParaRPr lang="de-CH"/>
           </a:p>
@@ -7799,7 +8237,7 @@
           <a:p>
             <a:fld id="{14501A63-F481-416F-B044-6EFC33159BA5}" type="slidenum">
               <a:rPr lang="de-CH" smtClean="0"/>
-              <a:t>‹Nr.›</a:t>
+              <a:t>‹#›</a:t>
             </a:fld>
             <a:endParaRPr lang="de-CH"/>
           </a:p>
@@ -8113,6 +8551,14 @@
 <file path=ppt/slides/slide1.xml><?xml version="1.0" encoding="utf-8"?>
 <p:sld xmlns:a="http://schemas.openxmlformats.org/drawingml/2006/main" xmlns:r="http://schemas.openxmlformats.org/officeDocument/2006/relationships" xmlns:p="http://schemas.openxmlformats.org/presentationml/2006/main">
   <p:cSld>
+    <p:bg>
+      <p:bgPr>
+        <a:solidFill>
+          <a:schemeClr val="bg1"/>
+        </a:solidFill>
+        <a:effectLst/>
+      </p:bgPr>
+    </p:bg>
     <p:spTree>
       <p:nvGrpSpPr>
         <p:cNvPr id="1" name=""/>
@@ -8127,6 +8573,195 @@
           <a:chExt cx="0" cy="0"/>
         </a:xfrm>
       </p:grpSpPr>
+      <p:sp useBgFill="1">
+        <p:nvSpPr>
+          <p:cNvPr id="10" name="Rectangle 9">
+            <a:extLst>
+              <a:ext uri="{FF2B5EF4-FFF2-40B4-BE49-F238E27FC236}">
+                <a16:creationId xmlns:a16="http://schemas.microsoft.com/office/drawing/2014/main" id="{9D25F302-27C5-414F-97F8-6EA0A6C028BA}"/>
+              </a:ext>
+              <a:ext uri="{C183D7F6-B498-43B3-948B-1728B52AA6E4}">
+                <adec:decorative xmlns:adec="http://schemas.microsoft.com/office/drawing/2017/decorative" val="1"/>
+              </a:ext>
+            </a:extLst>
+          </p:cNvPr>
+          <p:cNvSpPr>
+            <a:spLocks noGrp="1" noRot="1" noChangeAspect="1" noMove="1" noResize="1" noEditPoints="1" noAdjustHandles="1" noChangeArrowheads="1" noChangeShapeType="1" noTextEdit="1"/>
+          </p:cNvSpPr>
+          <p:nvPr>
+            <p:extLst>
+              <p:ext uri="{386F3935-93C4-4BCD-93E2-E3B085C9AB24}">
+                <p16:designElem xmlns:p16="http://schemas.microsoft.com/office/powerpoint/2015/main" val="1"/>
+              </p:ext>
+            </p:extLst>
+          </p:nvPr>
+        </p:nvSpPr>
+        <p:spPr>
+          <a:xfrm>
+            <a:off x="0" y="0"/>
+            <a:ext cx="12192000" cy="6858000"/>
+          </a:xfrm>
+          <a:prstGeom prst="rect">
+            <a:avLst/>
+          </a:prstGeom>
+          <a:ln>
+            <a:noFill/>
+          </a:ln>
+        </p:spPr>
+        <p:style>
+          <a:lnRef idx="2">
+            <a:schemeClr val="accent1">
+              <a:shade val="50000"/>
+            </a:schemeClr>
+          </a:lnRef>
+          <a:fillRef idx="1">
+            <a:schemeClr val="accent1"/>
+          </a:fillRef>
+          <a:effectRef idx="0">
+            <a:schemeClr val="accent1"/>
+          </a:effectRef>
+          <a:fontRef idx="minor">
+            <a:schemeClr val="lt1"/>
+          </a:fontRef>
+        </p:style>
+        <p:txBody>
+          <a:bodyPr rtlCol="0" anchor="ctr"/>
+          <a:lstStyle/>
+          <a:p>
+            <a:pPr algn="ctr"/>
+            <a:endParaRPr lang="en-US"/>
+          </a:p>
+        </p:txBody>
+      </p:sp>
+      <p:sp>
+        <p:nvSpPr>
+          <p:cNvPr id="12" name="Right Triangle 11">
+            <a:extLst>
+              <a:ext uri="{FF2B5EF4-FFF2-40B4-BE49-F238E27FC236}">
+                <a16:creationId xmlns:a16="http://schemas.microsoft.com/office/drawing/2014/main" id="{830A36F8-48C2-4842-A87B-8CE8DF4E7FD2}"/>
+              </a:ext>
+              <a:ext uri="{C183D7F6-B498-43B3-948B-1728B52AA6E4}">
+                <adec:decorative xmlns:adec="http://schemas.microsoft.com/office/drawing/2017/decorative" val="1"/>
+              </a:ext>
+            </a:extLst>
+          </p:cNvPr>
+          <p:cNvSpPr>
+            <a:spLocks noGrp="1" noRot="1" noChangeAspect="1" noMove="1" noResize="1" noEditPoints="1" noAdjustHandles="1" noChangeArrowheads="1" noChangeShapeType="1" noTextEdit="1"/>
+          </p:cNvSpPr>
+          <p:nvPr>
+            <p:extLst>
+              <p:ext uri="{386F3935-93C4-4BCD-93E2-E3B085C9AB24}">
+                <p16:designElem xmlns:p16="http://schemas.microsoft.com/office/powerpoint/2015/main" val="1"/>
+              </p:ext>
+            </p:extLst>
+          </p:nvPr>
+        </p:nvSpPr>
+        <p:spPr>
+          <a:xfrm flipH="1">
+            <a:off x="8576720" y="3335867"/>
+            <a:ext cx="3291840" cy="3200400"/>
+          </a:xfrm>
+          <a:prstGeom prst="rtTriangle">
+            <a:avLst/>
+          </a:prstGeom>
+          <a:solidFill>
+            <a:schemeClr val="accent4"/>
+          </a:solidFill>
+          <a:ln>
+            <a:noFill/>
+          </a:ln>
+        </p:spPr>
+        <p:style>
+          <a:lnRef idx="2">
+            <a:schemeClr val="accent1">
+              <a:shade val="50000"/>
+            </a:schemeClr>
+          </a:lnRef>
+          <a:fillRef idx="1">
+            <a:schemeClr val="accent1"/>
+          </a:fillRef>
+          <a:effectRef idx="0">
+            <a:schemeClr val="accent1"/>
+          </a:effectRef>
+          <a:fontRef idx="minor">
+            <a:schemeClr val="lt1"/>
+          </a:fontRef>
+        </p:style>
+        <p:txBody>
+          <a:bodyPr rtlCol="0" anchor="ctr"/>
+          <a:lstStyle/>
+          <a:p>
+            <a:pPr algn="ctr"/>
+            <a:endParaRPr lang="en-US" dirty="0"/>
+          </a:p>
+        </p:txBody>
+      </p:sp>
+      <p:sp>
+        <p:nvSpPr>
+          <p:cNvPr id="14" name="Rectangle 13">
+            <a:extLst>
+              <a:ext uri="{FF2B5EF4-FFF2-40B4-BE49-F238E27FC236}">
+                <a16:creationId xmlns:a16="http://schemas.microsoft.com/office/drawing/2014/main" id="{8F451A30-466B-4996-9BA5-CD6ABCC6D558}"/>
+              </a:ext>
+              <a:ext uri="{C183D7F6-B498-43B3-948B-1728B52AA6E4}">
+                <adec:decorative xmlns:adec="http://schemas.microsoft.com/office/drawing/2017/decorative" val="1"/>
+              </a:ext>
+            </a:extLst>
+          </p:cNvPr>
+          <p:cNvSpPr>
+            <a:spLocks noGrp="1" noRot="1" noChangeAspect="1" noMove="1" noResize="1" noEditPoints="1" noAdjustHandles="1" noChangeArrowheads="1" noChangeShapeType="1" noTextEdit="1"/>
+          </p:cNvSpPr>
+          <p:nvPr>
+            <p:extLst>
+              <p:ext uri="{386F3935-93C4-4BCD-93E2-E3B085C9AB24}">
+                <p16:designElem xmlns:p16="http://schemas.microsoft.com/office/powerpoint/2015/main" val="1"/>
+              </p:ext>
+            </p:extLst>
+          </p:nvPr>
+        </p:nvSpPr>
+        <p:spPr>
+          <a:xfrm>
+            <a:off x="641774" y="623275"/>
+            <a:ext cx="10905053" cy="5607882"/>
+          </a:xfrm>
+          <a:prstGeom prst="rect">
+            <a:avLst/>
+          </a:prstGeom>
+          <a:noFill/>
+          <a:ln w="19050">
+            <a:solidFill>
+              <a:schemeClr val="tx1">
+                <a:lumMod val="75000"/>
+                <a:lumOff val="25000"/>
+              </a:schemeClr>
+            </a:solidFill>
+          </a:ln>
+        </p:spPr>
+        <p:style>
+          <a:lnRef idx="2">
+            <a:schemeClr val="accent1">
+              <a:shade val="50000"/>
+            </a:schemeClr>
+          </a:lnRef>
+          <a:fillRef idx="1">
+            <a:schemeClr val="accent1"/>
+          </a:fillRef>
+          <a:effectRef idx="0">
+            <a:schemeClr val="accent1"/>
+          </a:effectRef>
+          <a:fontRef idx="minor">
+            <a:schemeClr val="lt1"/>
+          </a:fontRef>
+        </p:style>
+        <p:txBody>
+          <a:bodyPr rtlCol="0" anchor="ctr"/>
+          <a:lstStyle/>
+          <a:p>
+            <a:pPr algn="ctr"/>
+            <a:endParaRPr lang="en-US"/>
+          </a:p>
+        </p:txBody>
+      </p:sp>
       <p:sp>
         <p:nvSpPr>
           <p:cNvPr id="2" name="Titel 1">
@@ -8143,18 +8778,61 @@
             <p:ph type="title"/>
           </p:nvPr>
         </p:nvSpPr>
-        <p:spPr/>
+        <p:spPr>
+          <a:xfrm>
+            <a:off x="1123356" y="1188637"/>
+            <a:ext cx="9984615" cy="1597228"/>
+          </a:xfrm>
+        </p:spPr>
         <p:txBody>
-          <a:bodyPr/>
+          <a:bodyPr>
+            <a:normAutofit/>
+          </a:bodyPr>
           <a:lstStyle/>
           <a:p>
             <a:r>
-              <a:rPr lang="de-CH" dirty="0"/>
+              <a:rPr lang="de-CH" sz="6000"/>
               <a:t>Responsive Webseite </a:t>
             </a:r>
           </a:p>
         </p:txBody>
       </p:sp>
+      <p:pic>
+        <p:nvPicPr>
+          <p:cNvPr id="5" name="Grafik 4">
+            <a:extLst>
+              <a:ext uri="{FF2B5EF4-FFF2-40B4-BE49-F238E27FC236}">
+                <a16:creationId xmlns:a16="http://schemas.microsoft.com/office/drawing/2014/main" id="{FEBACA95-25FC-4A75-C558-C7C0F19BB370}"/>
+              </a:ext>
+            </a:extLst>
+          </p:cNvPr>
+          <p:cNvPicPr>
+            <a:picLocks noChangeAspect="1"/>
+          </p:cNvPicPr>
+          <p:nvPr/>
+        </p:nvPicPr>
+        <p:blipFill>
+          <a:blip r:embed="rId2">
+            <a:extLst>
+              <a:ext uri="{28A0092B-C50C-407E-A947-70E740481C1C}">
+                <a14:useLocalDpi xmlns:a14="http://schemas.microsoft.com/office/drawing/2010/main" val="0"/>
+              </a:ext>
+            </a:extLst>
+          </a:blip>
+          <a:stretch>
+            <a:fillRect/>
+          </a:stretch>
+        </p:blipFill>
+        <p:spPr>
+          <a:xfrm>
+            <a:off x="2470152" y="3609912"/>
+            <a:ext cx="2178176" cy="1089088"/>
+          </a:xfrm>
+          <a:prstGeom prst="rect">
+            <a:avLst/>
+          </a:prstGeom>
+        </p:spPr>
+      </p:pic>
       <p:sp>
         <p:nvSpPr>
           <p:cNvPr id="3" name="Inhaltsplatzhalter 2">
@@ -8171,66 +8849,37 @@
             <p:ph idx="1"/>
           </p:nvPr>
         </p:nvSpPr>
-        <p:spPr/>
+        <p:spPr>
+          <a:xfrm>
+            <a:off x="1332468" y="2785865"/>
+            <a:ext cx="4238257" cy="2728198"/>
+          </a:xfrm>
+        </p:spPr>
         <p:txBody>
-          <a:bodyPr/>
+          <a:bodyPr anchor="t">
+            <a:normAutofit/>
+          </a:bodyPr>
           <a:lstStyle/>
           <a:p>
             <a:r>
-              <a:rPr lang="de-CH" dirty="0"/>
+              <a:rPr lang="de-CH" sz="2000" dirty="0"/>
               <a:t>Firma: Meier Müller</a:t>
             </a:r>
           </a:p>
           <a:p>
             <a:r>
-              <a:rPr lang="de-CH" dirty="0"/>
+              <a:rPr lang="de-CH" sz="2000" dirty="0"/>
               <a:t>Typ: Autohandel</a:t>
             </a:r>
           </a:p>
           <a:p>
             <a:r>
-              <a:rPr lang="de-CH" dirty="0"/>
+              <a:rPr lang="de-CH" sz="2000" dirty="0"/>
               <a:t>Logo:</a:t>
             </a:r>
           </a:p>
         </p:txBody>
       </p:sp>
-      <p:pic>
-        <p:nvPicPr>
-          <p:cNvPr id="5" name="Grafik 4">
-            <a:extLst>
-              <a:ext uri="{FF2B5EF4-FFF2-40B4-BE49-F238E27FC236}">
-                <a16:creationId xmlns:a16="http://schemas.microsoft.com/office/drawing/2014/main" id="{FEBACA95-25FC-4A75-C558-C7C0F19BB370}"/>
-              </a:ext>
-            </a:extLst>
-          </p:cNvPr>
-          <p:cNvPicPr>
-            <a:picLocks noChangeAspect="1"/>
-          </p:cNvPicPr>
-          <p:nvPr/>
-        </p:nvPicPr>
-        <p:blipFill>
-          <a:blip r:embed="rId2">
-            <a:extLst>
-              <a:ext uri="{28A0092B-C50C-407E-A947-70E740481C1C}">
-                <a14:useLocalDpi xmlns:a14="http://schemas.microsoft.com/office/drawing/2010/main" val="0"/>
-              </a:ext>
-            </a:extLst>
-          </a:blip>
-          <a:stretch>
-            <a:fillRect/>
-          </a:stretch>
-        </p:blipFill>
-        <p:spPr>
-          <a:xfrm>
-            <a:off x="2191383" y="2823269"/>
-            <a:ext cx="1082498" cy="540420"/>
-          </a:xfrm>
-          <a:prstGeom prst="rect">
-            <a:avLst/>
-          </a:prstGeom>
-        </p:spPr>
-      </p:pic>
     </p:spTree>
     <p:extLst>
       <p:ext uri="{BB962C8B-B14F-4D97-AF65-F5344CB8AC3E}">
@@ -8503,6 +9152,14 @@
 <file path=ppt/slides/slide2.xml><?xml version="1.0" encoding="utf-8"?>
 <p:sld xmlns:a="http://schemas.openxmlformats.org/drawingml/2006/main" xmlns:r="http://schemas.openxmlformats.org/officeDocument/2006/relationships" xmlns:p="http://schemas.openxmlformats.org/presentationml/2006/main">
   <p:cSld>
+    <p:bg>
+      <p:bgPr>
+        <a:solidFill>
+          <a:schemeClr val="bg1"/>
+        </a:solidFill>
+        <a:effectLst/>
+      </p:bgPr>
+    </p:bg>
     <p:spTree>
       <p:nvGrpSpPr>
         <p:cNvPr id="1" name=""/>
@@ -8517,6 +9174,321 @@
           <a:chExt cx="0" cy="0"/>
         </a:xfrm>
       </p:grpSpPr>
+      <p:sp useBgFill="1">
+        <p:nvSpPr>
+          <p:cNvPr id="30" name="Rectangle 29">
+            <a:extLst>
+              <a:ext uri="{FF2B5EF4-FFF2-40B4-BE49-F238E27FC236}">
+                <a16:creationId xmlns:a16="http://schemas.microsoft.com/office/drawing/2014/main" id="{22F15A2D-2324-487D-A02A-BF46C5C580EB}"/>
+              </a:ext>
+              <a:ext uri="{C183D7F6-B498-43B3-948B-1728B52AA6E4}">
+                <adec:decorative xmlns:adec="http://schemas.microsoft.com/office/drawing/2017/decorative" val="1"/>
+              </a:ext>
+            </a:extLst>
+          </p:cNvPr>
+          <p:cNvSpPr>
+            <a:spLocks noGrp="1" noRot="1" noChangeAspect="1" noMove="1" noResize="1" noEditPoints="1" noAdjustHandles="1" noChangeArrowheads="1" noChangeShapeType="1" noTextEdit="1"/>
+          </p:cNvSpPr>
+          <p:nvPr>
+            <p:extLst>
+              <p:ext uri="{386F3935-93C4-4BCD-93E2-E3B085C9AB24}">
+                <p16:designElem xmlns:p16="http://schemas.microsoft.com/office/powerpoint/2015/main" val="1"/>
+              </p:ext>
+            </p:extLst>
+          </p:nvPr>
+        </p:nvSpPr>
+        <p:spPr>
+          <a:xfrm>
+            <a:off x="0" y="0"/>
+            <a:ext cx="12192000" cy="6858000"/>
+          </a:xfrm>
+          <a:prstGeom prst="rect">
+            <a:avLst/>
+          </a:prstGeom>
+          <a:ln>
+            <a:noFill/>
+          </a:ln>
+        </p:spPr>
+        <p:style>
+          <a:lnRef idx="2">
+            <a:schemeClr val="accent1">
+              <a:shade val="50000"/>
+            </a:schemeClr>
+          </a:lnRef>
+          <a:fillRef idx="1">
+            <a:schemeClr val="accent1"/>
+          </a:fillRef>
+          <a:effectRef idx="0">
+            <a:schemeClr val="accent1"/>
+          </a:effectRef>
+          <a:fontRef idx="minor">
+            <a:schemeClr val="lt1"/>
+          </a:fontRef>
+        </p:style>
+        <p:txBody>
+          <a:bodyPr rtlCol="0" anchor="ctr"/>
+          <a:lstStyle/>
+          <a:p>
+            <a:pPr algn="ctr"/>
+            <a:endParaRPr lang="en-US"/>
+          </a:p>
+        </p:txBody>
+      </p:sp>
+      <p:sp>
+        <p:nvSpPr>
+          <p:cNvPr id="32" name="Freeform: Shape 31">
+            <a:extLst>
+              <a:ext uri="{FF2B5EF4-FFF2-40B4-BE49-F238E27FC236}">
+                <a16:creationId xmlns:a16="http://schemas.microsoft.com/office/drawing/2014/main" id="{17A7F34E-D418-47E2-9F86-2C45BBC31210}"/>
+              </a:ext>
+              <a:ext uri="{C183D7F6-B498-43B3-948B-1728B52AA6E4}">
+                <adec:decorative xmlns:adec="http://schemas.microsoft.com/office/drawing/2017/decorative" val="1"/>
+              </a:ext>
+            </a:extLst>
+          </p:cNvPr>
+          <p:cNvSpPr>
+            <a:spLocks noGrp="1" noRot="1" noChangeAspect="1" noMove="1" noResize="1" noEditPoints="1" noAdjustHandles="1" noChangeArrowheads="1" noChangeShapeType="1" noTextEdit="1"/>
+          </p:cNvSpPr>
+          <p:nvPr>
+            <p:extLst>
+              <p:ext uri="{386F3935-93C4-4BCD-93E2-E3B085C9AB24}">
+                <p16:designElem xmlns:p16="http://schemas.microsoft.com/office/powerpoint/2015/main" val="1"/>
+              </p:ext>
+            </p:extLst>
+          </p:nvPr>
+        </p:nvSpPr>
+        <p:spPr>
+          <a:xfrm>
+            <a:off x="321732" y="321733"/>
+            <a:ext cx="11546828" cy="6214534"/>
+          </a:xfrm>
+          <a:custGeom>
+            <a:avLst/>
+            <a:gdLst>
+              <a:gd name="connsiteX0" fmla="*/ 0 w 11546828"/>
+              <a:gd name="connsiteY0" fmla="*/ 0 h 6214534"/>
+              <a:gd name="connsiteX1" fmla="*/ 7965430 w 11546828"/>
+              <a:gd name="connsiteY1" fmla="*/ 0 h 6214534"/>
+              <a:gd name="connsiteX2" fmla="*/ 7965430 w 11546828"/>
+              <a:gd name="connsiteY2" fmla="*/ 1786 h 6214534"/>
+              <a:gd name="connsiteX3" fmla="*/ 11546828 w 11546828"/>
+              <a:gd name="connsiteY3" fmla="*/ 1786 h 6214534"/>
+              <a:gd name="connsiteX4" fmla="*/ 11546828 w 11546828"/>
+              <a:gd name="connsiteY4" fmla="*/ 2866740 h 6214534"/>
+              <a:gd name="connsiteX5" fmla="*/ 11225095 w 11546828"/>
+              <a:gd name="connsiteY5" fmla="*/ 3179536 h 6214534"/>
+              <a:gd name="connsiteX6" fmla="*/ 11225095 w 11546828"/>
+              <a:gd name="connsiteY6" fmla="*/ 301542 h 6214534"/>
+              <a:gd name="connsiteX7" fmla="*/ 320042 w 11546828"/>
+              <a:gd name="connsiteY7" fmla="*/ 301542 h 6214534"/>
+              <a:gd name="connsiteX8" fmla="*/ 320042 w 11546828"/>
+              <a:gd name="connsiteY8" fmla="*/ 5909424 h 6214534"/>
+              <a:gd name="connsiteX9" fmla="*/ 8417210 w 11546828"/>
+              <a:gd name="connsiteY9" fmla="*/ 5909424 h 6214534"/>
+              <a:gd name="connsiteX10" fmla="*/ 8103383 w 11546828"/>
+              <a:gd name="connsiteY10" fmla="*/ 6214534 h 6214534"/>
+              <a:gd name="connsiteX11" fmla="*/ 7222929 w 11546828"/>
+              <a:gd name="connsiteY11" fmla="*/ 6214534 h 6214534"/>
+              <a:gd name="connsiteX12" fmla="*/ 7222929 w 11546828"/>
+              <a:gd name="connsiteY12" fmla="*/ 6212748 h 6214534"/>
+              <a:gd name="connsiteX13" fmla="*/ 0 w 11546828"/>
+              <a:gd name="connsiteY13" fmla="*/ 6212748 h 6214534"/>
+            </a:gdLst>
+            <a:ahLst/>
+            <a:cxnLst>
+              <a:cxn ang="0">
+                <a:pos x="connsiteX0" y="connsiteY0"/>
+              </a:cxn>
+              <a:cxn ang="0">
+                <a:pos x="connsiteX1" y="connsiteY1"/>
+              </a:cxn>
+              <a:cxn ang="0">
+                <a:pos x="connsiteX2" y="connsiteY2"/>
+              </a:cxn>
+              <a:cxn ang="0">
+                <a:pos x="connsiteX3" y="connsiteY3"/>
+              </a:cxn>
+              <a:cxn ang="0">
+                <a:pos x="connsiteX4" y="connsiteY4"/>
+              </a:cxn>
+              <a:cxn ang="0">
+                <a:pos x="connsiteX5" y="connsiteY5"/>
+              </a:cxn>
+              <a:cxn ang="0">
+                <a:pos x="connsiteX6" y="connsiteY6"/>
+              </a:cxn>
+              <a:cxn ang="0">
+                <a:pos x="connsiteX7" y="connsiteY7"/>
+              </a:cxn>
+              <a:cxn ang="0">
+                <a:pos x="connsiteX8" y="connsiteY8"/>
+              </a:cxn>
+              <a:cxn ang="0">
+                <a:pos x="connsiteX9" y="connsiteY9"/>
+              </a:cxn>
+              <a:cxn ang="0">
+                <a:pos x="connsiteX10" y="connsiteY10"/>
+              </a:cxn>
+              <a:cxn ang="0">
+                <a:pos x="connsiteX11" y="connsiteY11"/>
+              </a:cxn>
+              <a:cxn ang="0">
+                <a:pos x="connsiteX12" y="connsiteY12"/>
+              </a:cxn>
+              <a:cxn ang="0">
+                <a:pos x="connsiteX13" y="connsiteY13"/>
+              </a:cxn>
+            </a:cxnLst>
+            <a:rect l="l" t="t" r="r" b="b"/>
+            <a:pathLst>
+              <a:path w="11546828" h="6214534">
+                <a:moveTo>
+                  <a:pt x="0" y="0"/>
+                </a:moveTo>
+                <a:lnTo>
+                  <a:pt x="7965430" y="0"/>
+                </a:lnTo>
+                <a:lnTo>
+                  <a:pt x="7965430" y="1786"/>
+                </a:lnTo>
+                <a:lnTo>
+                  <a:pt x="11546828" y="1786"/>
+                </a:lnTo>
+                <a:lnTo>
+                  <a:pt x="11546828" y="2866740"/>
+                </a:lnTo>
+                <a:lnTo>
+                  <a:pt x="11225095" y="3179536"/>
+                </a:lnTo>
+                <a:lnTo>
+                  <a:pt x="11225095" y="301542"/>
+                </a:lnTo>
+                <a:lnTo>
+                  <a:pt x="320042" y="301542"/>
+                </a:lnTo>
+                <a:lnTo>
+                  <a:pt x="320042" y="5909424"/>
+                </a:lnTo>
+                <a:lnTo>
+                  <a:pt x="8417210" y="5909424"/>
+                </a:lnTo>
+                <a:lnTo>
+                  <a:pt x="8103383" y="6214534"/>
+                </a:lnTo>
+                <a:lnTo>
+                  <a:pt x="7222929" y="6214534"/>
+                </a:lnTo>
+                <a:lnTo>
+                  <a:pt x="7222929" y="6212748"/>
+                </a:lnTo>
+                <a:lnTo>
+                  <a:pt x="0" y="6212748"/>
+                </a:lnTo>
+                <a:close/>
+              </a:path>
+            </a:pathLst>
+          </a:custGeom>
+          <a:solidFill>
+            <a:schemeClr val="tx1">
+              <a:lumMod val="50000"/>
+              <a:lumOff val="50000"/>
+              <a:alpha val="25000"/>
+            </a:schemeClr>
+          </a:solidFill>
+          <a:ln>
+            <a:noFill/>
+          </a:ln>
+        </p:spPr>
+        <p:style>
+          <a:lnRef idx="2">
+            <a:schemeClr val="accent1">
+              <a:shade val="50000"/>
+            </a:schemeClr>
+          </a:lnRef>
+          <a:fillRef idx="1">
+            <a:schemeClr val="accent1"/>
+          </a:fillRef>
+          <a:effectRef idx="0">
+            <a:schemeClr val="accent1"/>
+          </a:effectRef>
+          <a:fontRef idx="minor">
+            <a:schemeClr val="lt1"/>
+          </a:fontRef>
+        </p:style>
+        <p:txBody>
+          <a:bodyPr wrap="square" rtlCol="0" anchor="ctr">
+            <a:noAutofit/>
+          </a:bodyPr>
+          <a:lstStyle/>
+          <a:p>
+            <a:pPr algn="ctr"/>
+            <a:endParaRPr lang="en-US"/>
+          </a:p>
+        </p:txBody>
+      </p:sp>
+      <p:sp>
+        <p:nvSpPr>
+          <p:cNvPr id="34" name="Right Triangle 33">
+            <a:extLst>
+              <a:ext uri="{FF2B5EF4-FFF2-40B4-BE49-F238E27FC236}">
+                <a16:creationId xmlns:a16="http://schemas.microsoft.com/office/drawing/2014/main" id="{2AEAFA59-923A-4F54-8B49-44C970BCC323}"/>
+              </a:ext>
+              <a:ext uri="{C183D7F6-B498-43B3-948B-1728B52AA6E4}">
+                <adec:decorative xmlns:adec="http://schemas.microsoft.com/office/drawing/2017/decorative" val="1"/>
+              </a:ext>
+            </a:extLst>
+          </p:cNvPr>
+          <p:cNvSpPr>
+            <a:spLocks noGrp="1" noRot="1" noChangeAspect="1" noMove="1" noResize="1" noEditPoints="1" noAdjustHandles="1" noChangeArrowheads="1" noChangeShapeType="1" noTextEdit="1"/>
+          </p:cNvSpPr>
+          <p:nvPr>
+            <p:extLst>
+              <p:ext uri="{386F3935-93C4-4BCD-93E2-E3B085C9AB24}">
+                <p16:designElem xmlns:p16="http://schemas.microsoft.com/office/powerpoint/2015/main" val="1"/>
+              </p:ext>
+            </p:extLst>
+          </p:nvPr>
+        </p:nvSpPr>
+        <p:spPr>
+          <a:xfrm flipH="1">
+            <a:off x="8576720" y="3335867"/>
+            <a:ext cx="3291840" cy="3200400"/>
+          </a:xfrm>
+          <a:prstGeom prst="rtTriangle">
+            <a:avLst/>
+          </a:prstGeom>
+          <a:solidFill>
+            <a:schemeClr val="accent4"/>
+          </a:solidFill>
+          <a:ln>
+            <a:noFill/>
+          </a:ln>
+        </p:spPr>
+        <p:style>
+          <a:lnRef idx="2">
+            <a:schemeClr val="accent1">
+              <a:shade val="50000"/>
+            </a:schemeClr>
+          </a:lnRef>
+          <a:fillRef idx="1">
+            <a:schemeClr val="accent1"/>
+          </a:fillRef>
+          <a:effectRef idx="0">
+            <a:schemeClr val="accent1"/>
+          </a:effectRef>
+          <a:fontRef idx="minor">
+            <a:schemeClr val="lt1"/>
+          </a:fontRef>
+        </p:style>
+        <p:txBody>
+          <a:bodyPr rtlCol="0" anchor="ctr"/>
+          <a:lstStyle/>
+          <a:p>
+            <a:pPr algn="ctr"/>
+            <a:endParaRPr lang="en-US" dirty="0"/>
+          </a:p>
+        </p:txBody>
+      </p:sp>
       <p:graphicFrame>
         <p:nvGraphicFramePr>
           <p:cNvPr id="4" name="Diagramm 3">
@@ -8530,14 +9502,14 @@
           <p:nvPr>
             <p:extLst>
               <p:ext uri="{D42A27DB-BD31-4B8C-83A1-F6EECF244321}">
-                <p14:modId xmlns:p14="http://schemas.microsoft.com/office/powerpoint/2010/main" val="537957032"/>
+                <p14:modId xmlns:p14="http://schemas.microsoft.com/office/powerpoint/2010/main" val="373482960"/>
               </p:ext>
             </p:extLst>
           </p:nvPr>
         </p:nvGraphicFramePr>
         <p:xfrm>
-          <a:off x="2032001" y="719669"/>
-          <a:ext cx="8128000" cy="5418667"/>
+          <a:off x="1007534" y="965200"/>
+          <a:ext cx="9997072" cy="3926840"/>
         </p:xfrm>
         <a:graphic>
           <a:graphicData uri="http://schemas.openxmlformats.org/drawingml/2006/diagram">
